--- a/src/assets/presentation.pptx
+++ b/src/assets/presentation.pptx
@@ -5,34 +5,36 @@
     <p:sldMasterId id="2147483648" r:id="rId1"/>
   </p:sldMasterIdLst>
   <p:notesMasterIdLst>
-    <p:notesMasterId r:id="rId4"/>
+    <p:notesMasterId r:id="rId6"/>
   </p:notesMasterIdLst>
   <p:handoutMasterIdLst>
-    <p:handoutMasterId r:id="rId5"/>
+    <p:handoutMasterId r:id="rId7"/>
   </p:handoutMasterIdLst>
   <p:sldIdLst>
-    <p:sldId id="323" r:id="rId2"/>
-    <p:sldId id="325" r:id="rId3"/>
+    <p:sldId id="325" r:id="rId2"/>
+    <p:sldId id="323" r:id="rId3"/>
+    <p:sldId id="326" r:id="rId4"/>
+    <p:sldId id="327" r:id="rId5"/>
   </p:sldIdLst>
   <p:sldSz cx="12190413" cy="6858000"/>
   <p:notesSz cx="6858000" cy="9144000"/>
   <p:embeddedFontLst>
     <p:embeddedFont>
       <p:font typeface="Source Sans Pro" panose="020B0503030403020204" pitchFamily="34" charset="0"/>
-      <p:regular r:id="rId6"/>
-      <p:bold r:id="rId7"/>
-      <p:italic r:id="rId8"/>
-      <p:boldItalic r:id="rId9"/>
+      <p:regular r:id="rId8"/>
+      <p:bold r:id="rId9"/>
+      <p:italic r:id="rId10"/>
+      <p:boldItalic r:id="rId11"/>
     </p:embeddedFont>
     <p:embeddedFont>
       <p:font typeface="Source Sans Pro Black" panose="020B0803030403020204" pitchFamily="34" charset="0"/>
-      <p:bold r:id="rId10"/>
-      <p:boldItalic r:id="rId11"/>
+      <p:bold r:id="rId12"/>
+      <p:boldItalic r:id="rId13"/>
     </p:embeddedFont>
     <p:embeddedFont>
       <p:font typeface="Source Sans Pro SemiBold" panose="020B0603030403020204" pitchFamily="34" charset="0"/>
-      <p:bold r:id="rId12"/>
-      <p:boldItalic r:id="rId13"/>
+      <p:bold r:id="rId14"/>
+      <p:boldItalic r:id="rId15"/>
     </p:embeddedFont>
   </p:embeddedFontLst>
   <p:defaultTextStyle>
@@ -135,8 +137,10 @@
       <p14:sectionLst xmlns:p14="http://schemas.microsoft.com/office/powerpoint/2010/main">
         <p14:section name="Standardabschnitt" id="{2AAD5039-C2C0-4063-BBC4-46CAD827577C}">
           <p14:sldIdLst>
+            <p14:sldId id="325"/>
             <p14:sldId id="323"/>
-            <p14:sldId id="325"/>
+            <p14:sldId id="326"/>
+            <p14:sldId id="327"/>
           </p14:sldIdLst>
         </p14:section>
       </p14:sectionLst>
@@ -34775,6 +34779,248 @@
           <a:chExt cx="0" cy="0"/>
         </a:xfrm>
       </p:grpSpPr>
+      <p:sp>
+        <p:nvSpPr>
+          <p:cNvPr id="3" name="Datumsplatzhalter 2">
+            <a:extLst>
+              <a:ext uri="{FF2B5EF4-FFF2-40B4-BE49-F238E27FC236}">
+                <a16:creationId xmlns:a16="http://schemas.microsoft.com/office/drawing/2014/main" id="{37C6C6F4-6A85-4014-A5F0-863E47C1E153}"/>
+              </a:ext>
+            </a:extLst>
+          </p:cNvPr>
+          <p:cNvSpPr>
+            <a:spLocks noGrp="1"/>
+          </p:cNvSpPr>
+          <p:nvPr>
+            <p:ph type="dt" sz="half" idx="10"/>
+          </p:nvPr>
+        </p:nvSpPr>
+        <p:spPr/>
+        <p:txBody>
+          <a:bodyPr/>
+          <a:lstStyle/>
+          <a:p>
+            <a:fld id="{4680A733-F83D-4D19-AF27-7B0B870C8599}" type="datetime1">
+              <a:rPr lang="de-DE" noProof="0" smtClean="0"/>
+              <a:t>07.05.2024</a:t>
+            </a:fld>
+            <a:endParaRPr lang="de-DE" noProof="0" dirty="0"/>
+          </a:p>
+        </p:txBody>
+      </p:sp>
+      <p:sp>
+        <p:nvSpPr>
+          <p:cNvPr id="4" name="Fußzeilenplatzhalter 3">
+            <a:extLst>
+              <a:ext uri="{FF2B5EF4-FFF2-40B4-BE49-F238E27FC236}">
+                <a16:creationId xmlns:a16="http://schemas.microsoft.com/office/drawing/2014/main" id="{C59DE69E-FACF-41D4-865C-CCE8BBC4349E}"/>
+              </a:ext>
+            </a:extLst>
+          </p:cNvPr>
+          <p:cNvSpPr>
+            <a:spLocks noGrp="1"/>
+          </p:cNvSpPr>
+          <p:nvPr>
+            <p:ph type="ftr" sz="quarter" idx="11"/>
+          </p:nvPr>
+        </p:nvSpPr>
+        <p:spPr/>
+        <p:txBody>
+          <a:bodyPr/>
+          <a:lstStyle/>
+          <a:p>
+            <a:r>
+              <a:rPr lang="de-DE" noProof="0" dirty="0"/>
+              <a:t>Patrick Petersen</a:t>
+            </a:r>
+          </a:p>
+        </p:txBody>
+      </p:sp>
+      <p:sp>
+        <p:nvSpPr>
+          <p:cNvPr id="5" name="Foliennummernplatzhalter 4">
+            <a:extLst>
+              <a:ext uri="{FF2B5EF4-FFF2-40B4-BE49-F238E27FC236}">
+                <a16:creationId xmlns:a16="http://schemas.microsoft.com/office/drawing/2014/main" id="{C280785F-5CD7-48E3-85F6-0B60234EC4C8}"/>
+              </a:ext>
+            </a:extLst>
+          </p:cNvPr>
+          <p:cNvSpPr>
+            <a:spLocks noGrp="1"/>
+          </p:cNvSpPr>
+          <p:nvPr>
+            <p:ph type="sldNum" sz="quarter" idx="12"/>
+          </p:nvPr>
+        </p:nvSpPr>
+        <p:spPr/>
+        <p:txBody>
+          <a:bodyPr/>
+          <a:lstStyle/>
+          <a:p>
+            <a:fld id="{02CEFE82-39F2-4F47-8A0C-D5AB3496FA5C}" type="slidenum">
+              <a:rPr lang="de-DE" noProof="0" smtClean="0"/>
+              <a:pPr/>
+              <a:t>1</a:t>
+            </a:fld>
+            <a:endParaRPr lang="de-DE" noProof="0" dirty="0"/>
+          </a:p>
+        </p:txBody>
+      </p:sp>
+      <p:sp>
+        <p:nvSpPr>
+          <p:cNvPr id="6" name="Titel 5">
+            <a:extLst>
+              <a:ext uri="{FF2B5EF4-FFF2-40B4-BE49-F238E27FC236}">
+                <a16:creationId xmlns:a16="http://schemas.microsoft.com/office/drawing/2014/main" id="{F1C8CC99-61DE-4DF7-AD01-19019D7B3D1C}"/>
+              </a:ext>
+            </a:extLst>
+          </p:cNvPr>
+          <p:cNvSpPr>
+            <a:spLocks noGrp="1"/>
+          </p:cNvSpPr>
+          <p:nvPr>
+            <p:ph type="title"/>
+          </p:nvPr>
+        </p:nvSpPr>
+        <p:spPr/>
+        <p:txBody>
+          <a:bodyPr/>
+          <a:lstStyle/>
+          <a:p>
+            <a:r>
+              <a:rPr lang="en-US" dirty="0"/>
+              <a:t>Pipeline / Website Overview</a:t>
+            </a:r>
+          </a:p>
+        </p:txBody>
+      </p:sp>
+      <p:sp>
+        <p:nvSpPr>
+          <p:cNvPr id="8" name="Rechteck 7">
+            <a:extLst>
+              <a:ext uri="{FF2B5EF4-FFF2-40B4-BE49-F238E27FC236}">
+                <a16:creationId xmlns:a16="http://schemas.microsoft.com/office/drawing/2014/main" id="{D0E98B95-8973-4435-BA79-C19DD07ADA99}"/>
+              </a:ext>
+            </a:extLst>
+          </p:cNvPr>
+          <p:cNvSpPr/>
+          <p:nvPr/>
+        </p:nvSpPr>
+        <p:spPr>
+          <a:xfrm>
+            <a:off x="10929600" y="306039"/>
+            <a:ext cx="822960" cy="1005840"/>
+          </a:xfrm>
+          <a:prstGeom prst="rect">
+            <a:avLst/>
+          </a:prstGeom>
+          <a:solidFill>
+            <a:schemeClr val="bg1"/>
+          </a:solidFill>
+          <a:ln>
+            <a:noFill/>
+          </a:ln>
+        </p:spPr>
+        <p:style>
+          <a:lnRef idx="2">
+            <a:schemeClr val="accent1">
+              <a:shade val="50000"/>
+            </a:schemeClr>
+          </a:lnRef>
+          <a:fillRef idx="1">
+            <a:schemeClr val="accent1"/>
+          </a:fillRef>
+          <a:effectRef idx="0">
+            <a:schemeClr val="accent1"/>
+          </a:effectRef>
+          <a:fontRef idx="minor">
+            <a:schemeClr val="lt1"/>
+          </a:fontRef>
+        </p:style>
+        <p:txBody>
+          <a:bodyPr lIns="36000" tIns="36000" rIns="36000" bIns="36000" rtlCol="0" anchor="ctr"/>
+          <a:lstStyle/>
+          <a:p>
+            <a:pPr algn="ctr">
+              <a:lnSpc>
+                <a:spcPct val="90000"/>
+              </a:lnSpc>
+              <a:spcAft>
+                <a:spcPts val="1000"/>
+              </a:spcAft>
+            </a:pPr>
+            <a:endParaRPr lang="en-US" dirty="0" err="1"/>
+          </a:p>
+        </p:txBody>
+      </p:sp>
+      <p:pic>
+        <p:nvPicPr>
+          <p:cNvPr id="56" name="Grafik 55">
+            <a:extLst>
+              <a:ext uri="{FF2B5EF4-FFF2-40B4-BE49-F238E27FC236}">
+                <a16:creationId xmlns:a16="http://schemas.microsoft.com/office/drawing/2014/main" id="{945F5601-1C20-13CE-D533-AC2CDB813748}"/>
+              </a:ext>
+            </a:extLst>
+          </p:cNvPr>
+          <p:cNvPicPr>
+            <a:picLocks noChangeAspect="1"/>
+          </p:cNvPicPr>
+          <p:nvPr/>
+        </p:nvPicPr>
+        <p:blipFill>
+          <a:blip r:embed="rId2"/>
+          <a:stretch>
+            <a:fillRect/>
+          </a:stretch>
+        </p:blipFill>
+        <p:spPr>
+          <a:xfrm>
+            <a:off x="103145" y="1019594"/>
+            <a:ext cx="11984122" cy="5487166"/>
+          </a:xfrm>
+          <a:prstGeom prst="rect">
+            <a:avLst/>
+          </a:prstGeom>
+        </p:spPr>
+      </p:pic>
+    </p:spTree>
+    <p:extLst>
+      <p:ext uri="{BB962C8B-B14F-4D97-AF65-F5344CB8AC3E}">
+        <p14:creationId xmlns:p14="http://schemas.microsoft.com/office/powerpoint/2010/main" val="2056842546"/>
+      </p:ext>
+    </p:extLst>
+  </p:cSld>
+  <p:clrMapOvr>
+    <a:masterClrMapping/>
+  </p:clrMapOvr>
+  <mc:AlternateContent xmlns:mc="http://schemas.openxmlformats.org/markup-compatibility/2006" xmlns:p14="http://schemas.microsoft.com/office/powerpoint/2010/main">
+    <mc:Choice Requires="p14">
+      <p:transition p14:dur="10"/>
+    </mc:Choice>
+    <mc:Fallback xmlns="">
+      <p:transition/>
+    </mc:Fallback>
+  </mc:AlternateContent>
+</p:sld>
+</file>
+
+<file path=ppt/slides/slide2.xml><?xml version="1.0" encoding="utf-8"?>
+<p:sld xmlns:a="http://schemas.openxmlformats.org/drawingml/2006/main" xmlns:r="http://schemas.openxmlformats.org/officeDocument/2006/relationships" xmlns:p="http://schemas.openxmlformats.org/presentationml/2006/main" show="0">
+  <p:cSld>
+    <p:spTree>
+      <p:nvGrpSpPr>
+        <p:cNvPr id="1" name=""/>
+        <p:cNvGrpSpPr/>
+        <p:nvPr/>
+      </p:nvGrpSpPr>
+      <p:grpSpPr>
+        <a:xfrm>
+          <a:off x="0" y="0"/>
+          <a:ext cx="0" cy="0"/>
+          <a:chOff x="0" y="0"/>
+          <a:chExt cx="0" cy="0"/>
+        </a:xfrm>
+      </p:grpSpPr>
       <p:pic>
         <p:nvPicPr>
           <p:cNvPr id="12" name="Grafik 11">
@@ -34939,19 +35185,3044 @@
   <p:clrMapOvr>
     <a:masterClrMapping/>
   </p:clrMapOvr>
-  <mc:AlternateContent xmlns:mc="http://schemas.openxmlformats.org/markup-compatibility/2006" xmlns:p14="http://schemas.microsoft.com/office/powerpoint/2010/main">
-    <mc:Choice Requires="p14">
+  <mc:AlternateContent xmlns:mc="http://schemas.openxmlformats.org/markup-compatibility/2006">
+    <mc:Choice xmlns:p14="http://schemas.microsoft.com/office/powerpoint/2010/main" Requires="p14">
       <p:transition p14:dur="10"/>
     </mc:Choice>
-    <mc:Fallback xmlns="">
+    <mc:Fallback>
       <p:transition/>
     </mc:Fallback>
   </mc:AlternateContent>
 </p:sld>
 </file>
 
-<file path=ppt/slides/slide2.xml><?xml version="1.0" encoding="utf-8"?>
-<p:sld xmlns:a="http://schemas.openxmlformats.org/drawingml/2006/main" xmlns:r="http://schemas.openxmlformats.org/officeDocument/2006/relationships" xmlns:p="http://schemas.openxmlformats.org/presentationml/2006/main">
+<file path=ppt/slides/slide3.xml><?xml version="1.0" encoding="utf-8"?>
+<p:sld xmlns:a="http://schemas.openxmlformats.org/drawingml/2006/main" xmlns:r="http://schemas.openxmlformats.org/officeDocument/2006/relationships" xmlns:p="http://schemas.openxmlformats.org/presentationml/2006/main" show="0">
+  <p:cSld>
+    <p:spTree>
+      <p:nvGrpSpPr>
+        <p:cNvPr id="1" name=""/>
+        <p:cNvGrpSpPr/>
+        <p:nvPr/>
+      </p:nvGrpSpPr>
+      <p:grpSpPr>
+        <a:xfrm>
+          <a:off x="0" y="0"/>
+          <a:ext cx="0" cy="0"/>
+          <a:chOff x="0" y="0"/>
+          <a:chExt cx="0" cy="0"/>
+        </a:xfrm>
+      </p:grpSpPr>
+      <p:sp>
+        <p:nvSpPr>
+          <p:cNvPr id="39" name="Rechteck 38">
+            <a:extLst>
+              <a:ext uri="{FF2B5EF4-FFF2-40B4-BE49-F238E27FC236}">
+                <a16:creationId xmlns:a16="http://schemas.microsoft.com/office/drawing/2014/main" id="{898C12D3-3FF2-A760-A272-8C1CCC1014F8}"/>
+              </a:ext>
+            </a:extLst>
+          </p:cNvPr>
+          <p:cNvSpPr/>
+          <p:nvPr/>
+        </p:nvSpPr>
+        <p:spPr>
+          <a:xfrm>
+            <a:off x="5904160" y="2477717"/>
+            <a:ext cx="2217468" cy="3361108"/>
+          </a:xfrm>
+          <a:prstGeom prst="rect">
+            <a:avLst/>
+          </a:prstGeom>
+          <a:solidFill>
+            <a:schemeClr val="accent4"/>
+          </a:solidFill>
+          <a:ln>
+            <a:noFill/>
+          </a:ln>
+        </p:spPr>
+        <p:style>
+          <a:lnRef idx="0">
+            <a:scrgbClr r="0" g="0" b="0"/>
+          </a:lnRef>
+          <a:fillRef idx="0">
+            <a:scrgbClr r="0" g="0" b="0"/>
+          </a:fillRef>
+          <a:effectRef idx="0">
+            <a:scrgbClr r="0" g="0" b="0"/>
+          </a:effectRef>
+          <a:fontRef idx="minor">
+            <a:schemeClr val="lt1"/>
+          </a:fontRef>
+        </p:style>
+        <p:txBody>
+          <a:bodyPr lIns="36000" tIns="36000" rIns="36000" bIns="36000" rtlCol="0" anchor="ctr"/>
+          <a:lstStyle/>
+          <a:p>
+            <a:pPr algn="ctr">
+              <a:lnSpc>
+                <a:spcPct val="90000"/>
+              </a:lnSpc>
+              <a:spcAft>
+                <a:spcPts val="1000"/>
+              </a:spcAft>
+            </a:pPr>
+            <a:endParaRPr lang="de-DE" dirty="0"/>
+          </a:p>
+          <a:p>
+            <a:pPr algn="ctr">
+              <a:lnSpc>
+                <a:spcPct val="90000"/>
+              </a:lnSpc>
+              <a:spcAft>
+                <a:spcPts val="1000"/>
+              </a:spcAft>
+            </a:pPr>
+            <a:endParaRPr lang="de-DE" dirty="0"/>
+          </a:p>
+          <a:p>
+            <a:pPr algn="ctr">
+              <a:lnSpc>
+                <a:spcPct val="90000"/>
+              </a:lnSpc>
+              <a:spcAft>
+                <a:spcPts val="1000"/>
+              </a:spcAft>
+            </a:pPr>
+            <a:endParaRPr lang="de-DE" dirty="0"/>
+          </a:p>
+          <a:p>
+            <a:pPr algn="ctr">
+              <a:lnSpc>
+                <a:spcPct val="90000"/>
+              </a:lnSpc>
+              <a:spcAft>
+                <a:spcPts val="1000"/>
+              </a:spcAft>
+            </a:pPr>
+            <a:endParaRPr lang="de-DE" dirty="0"/>
+          </a:p>
+          <a:p>
+            <a:pPr algn="ctr">
+              <a:lnSpc>
+                <a:spcPct val="90000"/>
+              </a:lnSpc>
+              <a:spcAft>
+                <a:spcPts val="1000"/>
+              </a:spcAft>
+            </a:pPr>
+            <a:endParaRPr lang="de-DE" dirty="0"/>
+          </a:p>
+          <a:p>
+            <a:pPr algn="ctr">
+              <a:lnSpc>
+                <a:spcPct val="90000"/>
+              </a:lnSpc>
+              <a:spcAft>
+                <a:spcPts val="1000"/>
+              </a:spcAft>
+            </a:pPr>
+            <a:endParaRPr lang="de-DE" dirty="0"/>
+          </a:p>
+          <a:p>
+            <a:pPr algn="ctr">
+              <a:lnSpc>
+                <a:spcPct val="90000"/>
+              </a:lnSpc>
+              <a:spcAft>
+                <a:spcPts val="1000"/>
+              </a:spcAft>
+            </a:pPr>
+            <a:endParaRPr lang="de-DE" dirty="0"/>
+          </a:p>
+          <a:p>
+            <a:pPr algn="ctr">
+              <a:lnSpc>
+                <a:spcPct val="90000"/>
+              </a:lnSpc>
+              <a:spcAft>
+                <a:spcPts val="1000"/>
+              </a:spcAft>
+            </a:pPr>
+            <a:endParaRPr lang="de-DE" dirty="0" err="1"/>
+          </a:p>
+        </p:txBody>
+      </p:sp>
+      <p:sp>
+        <p:nvSpPr>
+          <p:cNvPr id="36" name="Rechteck 35">
+            <a:extLst>
+              <a:ext uri="{FF2B5EF4-FFF2-40B4-BE49-F238E27FC236}">
+                <a16:creationId xmlns:a16="http://schemas.microsoft.com/office/drawing/2014/main" id="{CC12B7EB-D0B2-D040-4496-C3A0C6A90071}"/>
+              </a:ext>
+            </a:extLst>
+          </p:cNvPr>
+          <p:cNvSpPr/>
+          <p:nvPr/>
+        </p:nvSpPr>
+        <p:spPr>
+          <a:xfrm>
+            <a:off x="10920075" y="306039"/>
+            <a:ext cx="822960" cy="1005840"/>
+          </a:xfrm>
+          <a:prstGeom prst="rect">
+            <a:avLst/>
+          </a:prstGeom>
+          <a:solidFill>
+            <a:schemeClr val="bg1"/>
+          </a:solidFill>
+          <a:ln>
+            <a:noFill/>
+          </a:ln>
+        </p:spPr>
+        <p:style>
+          <a:lnRef idx="2">
+            <a:schemeClr val="accent1">
+              <a:shade val="50000"/>
+            </a:schemeClr>
+          </a:lnRef>
+          <a:fillRef idx="1">
+            <a:schemeClr val="accent1"/>
+          </a:fillRef>
+          <a:effectRef idx="0">
+            <a:schemeClr val="accent1"/>
+          </a:effectRef>
+          <a:fontRef idx="minor">
+            <a:schemeClr val="lt1"/>
+          </a:fontRef>
+        </p:style>
+        <p:txBody>
+          <a:bodyPr lIns="36000" tIns="36000" rIns="36000" bIns="36000" rtlCol="0" anchor="ctr"/>
+          <a:lstStyle/>
+          <a:p>
+            <a:pPr algn="ctr">
+              <a:lnSpc>
+                <a:spcPct val="90000"/>
+              </a:lnSpc>
+              <a:spcAft>
+                <a:spcPts val="1000"/>
+              </a:spcAft>
+            </a:pPr>
+            <a:endParaRPr lang="en-US" dirty="0" err="1"/>
+          </a:p>
+        </p:txBody>
+      </p:sp>
+      <p:sp>
+        <p:nvSpPr>
+          <p:cNvPr id="17" name="Rechteck 16">
+            <a:extLst>
+              <a:ext uri="{FF2B5EF4-FFF2-40B4-BE49-F238E27FC236}">
+                <a16:creationId xmlns:a16="http://schemas.microsoft.com/office/drawing/2014/main" id="{1FAD3132-8DC1-F70F-F148-B07E88378228}"/>
+              </a:ext>
+            </a:extLst>
+          </p:cNvPr>
+          <p:cNvSpPr/>
+          <p:nvPr/>
+        </p:nvSpPr>
+        <p:spPr>
+          <a:xfrm>
+            <a:off x="2272621" y="1507501"/>
+            <a:ext cx="2382926" cy="970216"/>
+          </a:xfrm>
+          <a:prstGeom prst="rect">
+            <a:avLst/>
+          </a:prstGeom>
+          <a:solidFill>
+            <a:srgbClr val="44546A"/>
+          </a:solidFill>
+          <a:ln>
+            <a:noFill/>
+          </a:ln>
+        </p:spPr>
+        <p:style>
+          <a:lnRef idx="2">
+            <a:schemeClr val="accent1">
+              <a:shade val="50000"/>
+            </a:schemeClr>
+          </a:lnRef>
+          <a:fillRef idx="1">
+            <a:schemeClr val="accent1"/>
+          </a:fillRef>
+          <a:effectRef idx="0">
+            <a:schemeClr val="accent1"/>
+          </a:effectRef>
+          <a:fontRef idx="minor">
+            <a:schemeClr val="lt1"/>
+          </a:fontRef>
+        </p:style>
+        <p:txBody>
+          <a:bodyPr rtlCol="0" anchor="ctr"/>
+          <a:lstStyle>
+            <a:defPPr>
+              <a:defRPr lang="en-US"/>
+            </a:defPPr>
+            <a:lvl1pPr marL="0" algn="l" defTabSz="914400" rtl="0" eaLnBrk="1" latinLnBrk="0" hangingPunct="1">
+              <a:defRPr sz="1800" kern="1200">
+                <a:solidFill>
+                  <a:schemeClr val="lt1"/>
+                </a:solidFill>
+                <a:latin typeface="+mn-lt"/>
+                <a:ea typeface="+mn-ea"/>
+                <a:cs typeface="+mn-cs"/>
+              </a:defRPr>
+            </a:lvl1pPr>
+            <a:lvl2pPr marL="457200" algn="l" defTabSz="914400" rtl="0" eaLnBrk="1" latinLnBrk="0" hangingPunct="1">
+              <a:defRPr sz="1800" kern="1200">
+                <a:solidFill>
+                  <a:schemeClr val="lt1"/>
+                </a:solidFill>
+                <a:latin typeface="+mn-lt"/>
+                <a:ea typeface="+mn-ea"/>
+                <a:cs typeface="+mn-cs"/>
+              </a:defRPr>
+            </a:lvl2pPr>
+            <a:lvl3pPr marL="914400" algn="l" defTabSz="914400" rtl="0" eaLnBrk="1" latinLnBrk="0" hangingPunct="1">
+              <a:defRPr sz="1800" kern="1200">
+                <a:solidFill>
+                  <a:schemeClr val="lt1"/>
+                </a:solidFill>
+                <a:latin typeface="+mn-lt"/>
+                <a:ea typeface="+mn-ea"/>
+                <a:cs typeface="+mn-cs"/>
+              </a:defRPr>
+            </a:lvl3pPr>
+            <a:lvl4pPr marL="1371600" algn="l" defTabSz="914400" rtl="0" eaLnBrk="1" latinLnBrk="0" hangingPunct="1">
+              <a:defRPr sz="1800" kern="1200">
+                <a:solidFill>
+                  <a:schemeClr val="lt1"/>
+                </a:solidFill>
+                <a:latin typeface="+mn-lt"/>
+                <a:ea typeface="+mn-ea"/>
+                <a:cs typeface="+mn-cs"/>
+              </a:defRPr>
+            </a:lvl4pPr>
+            <a:lvl5pPr marL="1828800" algn="l" defTabSz="914400" rtl="0" eaLnBrk="1" latinLnBrk="0" hangingPunct="1">
+              <a:defRPr sz="1800" kern="1200">
+                <a:solidFill>
+                  <a:schemeClr val="lt1"/>
+                </a:solidFill>
+                <a:latin typeface="+mn-lt"/>
+                <a:ea typeface="+mn-ea"/>
+                <a:cs typeface="+mn-cs"/>
+              </a:defRPr>
+            </a:lvl5pPr>
+            <a:lvl6pPr marL="2286000" algn="l" defTabSz="914400" rtl="0" eaLnBrk="1" latinLnBrk="0" hangingPunct="1">
+              <a:defRPr sz="1800" kern="1200">
+                <a:solidFill>
+                  <a:schemeClr val="lt1"/>
+                </a:solidFill>
+                <a:latin typeface="+mn-lt"/>
+                <a:ea typeface="+mn-ea"/>
+                <a:cs typeface="+mn-cs"/>
+              </a:defRPr>
+            </a:lvl6pPr>
+            <a:lvl7pPr marL="2743200" algn="l" defTabSz="914400" rtl="0" eaLnBrk="1" latinLnBrk="0" hangingPunct="1">
+              <a:defRPr sz="1800" kern="1200">
+                <a:solidFill>
+                  <a:schemeClr val="lt1"/>
+                </a:solidFill>
+                <a:latin typeface="+mn-lt"/>
+                <a:ea typeface="+mn-ea"/>
+                <a:cs typeface="+mn-cs"/>
+              </a:defRPr>
+            </a:lvl7pPr>
+            <a:lvl8pPr marL="3200400" algn="l" defTabSz="914400" rtl="0" eaLnBrk="1" latinLnBrk="0" hangingPunct="1">
+              <a:defRPr sz="1800" kern="1200">
+                <a:solidFill>
+                  <a:schemeClr val="lt1"/>
+                </a:solidFill>
+                <a:latin typeface="+mn-lt"/>
+                <a:ea typeface="+mn-ea"/>
+                <a:cs typeface="+mn-cs"/>
+              </a:defRPr>
+            </a:lvl8pPr>
+            <a:lvl9pPr marL="3657600" algn="l" defTabSz="914400" rtl="0" eaLnBrk="1" latinLnBrk="0" hangingPunct="1">
+              <a:defRPr sz="1800" kern="1200">
+                <a:solidFill>
+                  <a:schemeClr val="lt1"/>
+                </a:solidFill>
+                <a:latin typeface="+mn-lt"/>
+                <a:ea typeface="+mn-ea"/>
+                <a:cs typeface="+mn-cs"/>
+              </a:defRPr>
+            </a:lvl9pPr>
+          </a:lstStyle>
+          <a:p>
+            <a:pPr algn="ctr"/>
+            <a:r>
+              <a:rPr lang="de-DE" sz="1600" b="1" dirty="0"/>
+              <a:t>Data Exploration</a:t>
+            </a:r>
+          </a:p>
+        </p:txBody>
+      </p:sp>
+      <p:cxnSp>
+        <p:nvCxnSpPr>
+          <p:cNvPr id="18" name="Gerade Verbindung mit Pfeil 17">
+            <a:extLst>
+              <a:ext uri="{FF2B5EF4-FFF2-40B4-BE49-F238E27FC236}">
+                <a16:creationId xmlns:a16="http://schemas.microsoft.com/office/drawing/2014/main" id="{738490C6-1624-D413-B1FD-B923F5C51593}"/>
+              </a:ext>
+            </a:extLst>
+          </p:cNvPr>
+          <p:cNvCxnSpPr>
+            <a:cxnSpLocks/>
+            <a:stCxn id="17" idx="3"/>
+            <a:endCxn id="22" idx="1"/>
+          </p:cNvCxnSpPr>
+          <p:nvPr/>
+        </p:nvCxnSpPr>
+        <p:spPr>
+          <a:xfrm>
+            <a:off x="4655547" y="1992609"/>
+            <a:ext cx="1191463" cy="0"/>
+          </a:xfrm>
+          <a:prstGeom prst="straightConnector1">
+            <a:avLst/>
+          </a:prstGeom>
+          <a:ln w="57150">
+            <a:solidFill>
+              <a:srgbClr val="44546A"/>
+            </a:solidFill>
+            <a:tailEnd type="triangle"/>
+          </a:ln>
+        </p:spPr>
+        <p:style>
+          <a:lnRef idx="1">
+            <a:schemeClr val="accent1"/>
+          </a:lnRef>
+          <a:fillRef idx="0">
+            <a:schemeClr val="accent1"/>
+          </a:fillRef>
+          <a:effectRef idx="0">
+            <a:schemeClr val="accent1"/>
+          </a:effectRef>
+          <a:fontRef idx="minor">
+            <a:schemeClr val="tx1"/>
+          </a:fontRef>
+        </p:style>
+      </p:cxnSp>
+      <p:sp>
+        <p:nvSpPr>
+          <p:cNvPr id="19" name="Rechteck 18">
+            <a:extLst>
+              <a:ext uri="{FF2B5EF4-FFF2-40B4-BE49-F238E27FC236}">
+                <a16:creationId xmlns:a16="http://schemas.microsoft.com/office/drawing/2014/main" id="{F6FDF8C8-DF9C-072E-5932-85F139A690DF}"/>
+              </a:ext>
+            </a:extLst>
+          </p:cNvPr>
+          <p:cNvSpPr/>
+          <p:nvPr/>
+        </p:nvSpPr>
+        <p:spPr>
+          <a:xfrm>
+            <a:off x="124224" y="1627132"/>
+            <a:ext cx="1646483" cy="730954"/>
+          </a:xfrm>
+          <a:prstGeom prst="rect">
+            <a:avLst/>
+          </a:prstGeom>
+          <a:solidFill>
+            <a:srgbClr val="8FA0B7"/>
+          </a:solidFill>
+          <a:ln>
+            <a:noFill/>
+          </a:ln>
+        </p:spPr>
+        <p:style>
+          <a:lnRef idx="2">
+            <a:schemeClr val="accent1">
+              <a:shade val="50000"/>
+            </a:schemeClr>
+          </a:lnRef>
+          <a:fillRef idx="1">
+            <a:schemeClr val="accent1"/>
+          </a:fillRef>
+          <a:effectRef idx="0">
+            <a:schemeClr val="accent1"/>
+          </a:effectRef>
+          <a:fontRef idx="minor">
+            <a:schemeClr val="lt1"/>
+          </a:fontRef>
+        </p:style>
+        <p:txBody>
+          <a:bodyPr rtlCol="0" anchor="ctr"/>
+          <a:lstStyle>
+            <a:defPPr>
+              <a:defRPr lang="en-US"/>
+            </a:defPPr>
+            <a:lvl1pPr marL="0" algn="l" defTabSz="914400" rtl="0" eaLnBrk="1" latinLnBrk="0" hangingPunct="1">
+              <a:defRPr sz="1800" kern="1200">
+                <a:solidFill>
+                  <a:schemeClr val="lt1"/>
+                </a:solidFill>
+                <a:latin typeface="+mn-lt"/>
+                <a:ea typeface="+mn-ea"/>
+                <a:cs typeface="+mn-cs"/>
+              </a:defRPr>
+            </a:lvl1pPr>
+            <a:lvl2pPr marL="457200" algn="l" defTabSz="914400" rtl="0" eaLnBrk="1" latinLnBrk="0" hangingPunct="1">
+              <a:defRPr sz="1800" kern="1200">
+                <a:solidFill>
+                  <a:schemeClr val="lt1"/>
+                </a:solidFill>
+                <a:latin typeface="+mn-lt"/>
+                <a:ea typeface="+mn-ea"/>
+                <a:cs typeface="+mn-cs"/>
+              </a:defRPr>
+            </a:lvl2pPr>
+            <a:lvl3pPr marL="914400" algn="l" defTabSz="914400" rtl="0" eaLnBrk="1" latinLnBrk="0" hangingPunct="1">
+              <a:defRPr sz="1800" kern="1200">
+                <a:solidFill>
+                  <a:schemeClr val="lt1"/>
+                </a:solidFill>
+                <a:latin typeface="+mn-lt"/>
+                <a:ea typeface="+mn-ea"/>
+                <a:cs typeface="+mn-cs"/>
+              </a:defRPr>
+            </a:lvl3pPr>
+            <a:lvl4pPr marL="1371600" algn="l" defTabSz="914400" rtl="0" eaLnBrk="1" latinLnBrk="0" hangingPunct="1">
+              <a:defRPr sz="1800" kern="1200">
+                <a:solidFill>
+                  <a:schemeClr val="lt1"/>
+                </a:solidFill>
+                <a:latin typeface="+mn-lt"/>
+                <a:ea typeface="+mn-ea"/>
+                <a:cs typeface="+mn-cs"/>
+              </a:defRPr>
+            </a:lvl4pPr>
+            <a:lvl5pPr marL="1828800" algn="l" defTabSz="914400" rtl="0" eaLnBrk="1" latinLnBrk="0" hangingPunct="1">
+              <a:defRPr sz="1800" kern="1200">
+                <a:solidFill>
+                  <a:schemeClr val="lt1"/>
+                </a:solidFill>
+                <a:latin typeface="+mn-lt"/>
+                <a:ea typeface="+mn-ea"/>
+                <a:cs typeface="+mn-cs"/>
+              </a:defRPr>
+            </a:lvl5pPr>
+            <a:lvl6pPr marL="2286000" algn="l" defTabSz="914400" rtl="0" eaLnBrk="1" latinLnBrk="0" hangingPunct="1">
+              <a:defRPr sz="1800" kern="1200">
+                <a:solidFill>
+                  <a:schemeClr val="lt1"/>
+                </a:solidFill>
+                <a:latin typeface="+mn-lt"/>
+                <a:ea typeface="+mn-ea"/>
+                <a:cs typeface="+mn-cs"/>
+              </a:defRPr>
+            </a:lvl6pPr>
+            <a:lvl7pPr marL="2743200" algn="l" defTabSz="914400" rtl="0" eaLnBrk="1" latinLnBrk="0" hangingPunct="1">
+              <a:defRPr sz="1800" kern="1200">
+                <a:solidFill>
+                  <a:schemeClr val="lt1"/>
+                </a:solidFill>
+                <a:latin typeface="+mn-lt"/>
+                <a:ea typeface="+mn-ea"/>
+                <a:cs typeface="+mn-cs"/>
+              </a:defRPr>
+            </a:lvl7pPr>
+            <a:lvl8pPr marL="3200400" algn="l" defTabSz="914400" rtl="0" eaLnBrk="1" latinLnBrk="0" hangingPunct="1">
+              <a:defRPr sz="1800" kern="1200">
+                <a:solidFill>
+                  <a:schemeClr val="lt1"/>
+                </a:solidFill>
+                <a:latin typeface="+mn-lt"/>
+                <a:ea typeface="+mn-ea"/>
+                <a:cs typeface="+mn-cs"/>
+              </a:defRPr>
+            </a:lvl8pPr>
+            <a:lvl9pPr marL="3657600" algn="l" defTabSz="914400" rtl="0" eaLnBrk="1" latinLnBrk="0" hangingPunct="1">
+              <a:defRPr sz="1800" kern="1200">
+                <a:solidFill>
+                  <a:schemeClr val="lt1"/>
+                </a:solidFill>
+                <a:latin typeface="+mn-lt"/>
+                <a:ea typeface="+mn-ea"/>
+                <a:cs typeface="+mn-cs"/>
+              </a:defRPr>
+            </a:lvl9pPr>
+          </a:lstStyle>
+          <a:p>
+            <a:pPr algn="ctr"/>
+            <a:r>
+              <a:rPr lang="de-DE" sz="1600" b="1" dirty="0"/>
+              <a:t>Raw Data</a:t>
+            </a:r>
+            <a:endParaRPr lang="de-DE" sz="1600" b="1" baseline="-25000" dirty="0"/>
+          </a:p>
+        </p:txBody>
+      </p:sp>
+      <p:cxnSp>
+        <p:nvCxnSpPr>
+          <p:cNvPr id="20" name="Gerade Verbindung mit Pfeil 19">
+            <a:extLst>
+              <a:ext uri="{FF2B5EF4-FFF2-40B4-BE49-F238E27FC236}">
+                <a16:creationId xmlns:a16="http://schemas.microsoft.com/office/drawing/2014/main" id="{6D717DB2-B1B8-A9CF-5107-41DDBAC5E87A}"/>
+              </a:ext>
+            </a:extLst>
+          </p:cNvPr>
+          <p:cNvCxnSpPr>
+            <a:cxnSpLocks/>
+            <a:stCxn id="19" idx="3"/>
+            <a:endCxn id="17" idx="1"/>
+          </p:cNvCxnSpPr>
+          <p:nvPr/>
+        </p:nvCxnSpPr>
+        <p:spPr>
+          <a:xfrm>
+            <a:off x="1770707" y="1992609"/>
+            <a:ext cx="501914" cy="0"/>
+          </a:xfrm>
+          <a:prstGeom prst="straightConnector1">
+            <a:avLst/>
+          </a:prstGeom>
+          <a:ln w="57150">
+            <a:solidFill>
+              <a:srgbClr val="44546A"/>
+            </a:solidFill>
+            <a:tailEnd type="triangle"/>
+          </a:ln>
+        </p:spPr>
+        <p:style>
+          <a:lnRef idx="1">
+            <a:schemeClr val="accent1"/>
+          </a:lnRef>
+          <a:fillRef idx="0">
+            <a:schemeClr val="accent1"/>
+          </a:fillRef>
+          <a:effectRef idx="0">
+            <a:schemeClr val="accent1"/>
+          </a:effectRef>
+          <a:fontRef idx="minor">
+            <a:schemeClr val="tx1"/>
+          </a:fontRef>
+        </p:style>
+      </p:cxnSp>
+      <p:pic>
+        <p:nvPicPr>
+          <p:cNvPr id="21" name="Grafik 20" descr="Ein Bild, das Screenshot, Text, Schrift, Grafiken enthält.&#10;&#10;Automatisch generierte Beschreibung">
+            <a:extLst>
+              <a:ext uri="{FF2B5EF4-FFF2-40B4-BE49-F238E27FC236}">
+                <a16:creationId xmlns:a16="http://schemas.microsoft.com/office/drawing/2014/main" id="{FAD5C62C-819A-3E8E-EB26-6D20B86B01E1}"/>
+              </a:ext>
+            </a:extLst>
+          </p:cNvPr>
+          <p:cNvPicPr>
+            <a:picLocks noChangeAspect="1"/>
+          </p:cNvPicPr>
+          <p:nvPr/>
+        </p:nvPicPr>
+        <p:blipFill>
+          <a:blip r:embed="rId2"/>
+          <a:stretch>
+            <a:fillRect/>
+          </a:stretch>
+        </p:blipFill>
+        <p:spPr>
+          <a:xfrm>
+            <a:off x="373417" y="670593"/>
+            <a:ext cx="1148096" cy="1148096"/>
+          </a:xfrm>
+          <a:prstGeom prst="rect">
+            <a:avLst/>
+          </a:prstGeom>
+        </p:spPr>
+      </p:pic>
+      <p:sp>
+        <p:nvSpPr>
+          <p:cNvPr id="22" name="Rechteck 21">
+            <a:extLst>
+              <a:ext uri="{FF2B5EF4-FFF2-40B4-BE49-F238E27FC236}">
+                <a16:creationId xmlns:a16="http://schemas.microsoft.com/office/drawing/2014/main" id="{9E63A708-770F-32DE-CE63-C9D7927CD1C7}"/>
+              </a:ext>
+            </a:extLst>
+          </p:cNvPr>
+          <p:cNvSpPr/>
+          <p:nvPr/>
+        </p:nvSpPr>
+        <p:spPr>
+          <a:xfrm>
+            <a:off x="5847010" y="1507501"/>
+            <a:ext cx="2382926" cy="970216"/>
+          </a:xfrm>
+          <a:prstGeom prst="rect">
+            <a:avLst/>
+          </a:prstGeom>
+          <a:solidFill>
+            <a:srgbClr val="44546A"/>
+          </a:solidFill>
+          <a:ln>
+            <a:noFill/>
+          </a:ln>
+        </p:spPr>
+        <p:style>
+          <a:lnRef idx="2">
+            <a:schemeClr val="accent1">
+              <a:shade val="50000"/>
+            </a:schemeClr>
+          </a:lnRef>
+          <a:fillRef idx="1">
+            <a:schemeClr val="accent1"/>
+          </a:fillRef>
+          <a:effectRef idx="0">
+            <a:schemeClr val="accent1"/>
+          </a:effectRef>
+          <a:fontRef idx="minor">
+            <a:schemeClr val="lt1"/>
+          </a:fontRef>
+        </p:style>
+        <p:txBody>
+          <a:bodyPr rtlCol="0" anchor="ctr"/>
+          <a:lstStyle>
+            <a:defPPr>
+              <a:defRPr lang="en-US"/>
+            </a:defPPr>
+            <a:lvl1pPr marL="0" algn="l" defTabSz="914400" rtl="0" eaLnBrk="1" latinLnBrk="0" hangingPunct="1">
+              <a:defRPr sz="1800" kern="1200">
+                <a:solidFill>
+                  <a:schemeClr val="lt1"/>
+                </a:solidFill>
+                <a:latin typeface="+mn-lt"/>
+                <a:ea typeface="+mn-ea"/>
+                <a:cs typeface="+mn-cs"/>
+              </a:defRPr>
+            </a:lvl1pPr>
+            <a:lvl2pPr marL="457200" algn="l" defTabSz="914400" rtl="0" eaLnBrk="1" latinLnBrk="0" hangingPunct="1">
+              <a:defRPr sz="1800" kern="1200">
+                <a:solidFill>
+                  <a:schemeClr val="lt1"/>
+                </a:solidFill>
+                <a:latin typeface="+mn-lt"/>
+                <a:ea typeface="+mn-ea"/>
+                <a:cs typeface="+mn-cs"/>
+              </a:defRPr>
+            </a:lvl2pPr>
+            <a:lvl3pPr marL="914400" algn="l" defTabSz="914400" rtl="0" eaLnBrk="1" latinLnBrk="0" hangingPunct="1">
+              <a:defRPr sz="1800" kern="1200">
+                <a:solidFill>
+                  <a:schemeClr val="lt1"/>
+                </a:solidFill>
+                <a:latin typeface="+mn-lt"/>
+                <a:ea typeface="+mn-ea"/>
+                <a:cs typeface="+mn-cs"/>
+              </a:defRPr>
+            </a:lvl3pPr>
+            <a:lvl4pPr marL="1371600" algn="l" defTabSz="914400" rtl="0" eaLnBrk="1" latinLnBrk="0" hangingPunct="1">
+              <a:defRPr sz="1800" kern="1200">
+                <a:solidFill>
+                  <a:schemeClr val="lt1"/>
+                </a:solidFill>
+                <a:latin typeface="+mn-lt"/>
+                <a:ea typeface="+mn-ea"/>
+                <a:cs typeface="+mn-cs"/>
+              </a:defRPr>
+            </a:lvl4pPr>
+            <a:lvl5pPr marL="1828800" algn="l" defTabSz="914400" rtl="0" eaLnBrk="1" latinLnBrk="0" hangingPunct="1">
+              <a:defRPr sz="1800" kern="1200">
+                <a:solidFill>
+                  <a:schemeClr val="lt1"/>
+                </a:solidFill>
+                <a:latin typeface="+mn-lt"/>
+                <a:ea typeface="+mn-ea"/>
+                <a:cs typeface="+mn-cs"/>
+              </a:defRPr>
+            </a:lvl5pPr>
+            <a:lvl6pPr marL="2286000" algn="l" defTabSz="914400" rtl="0" eaLnBrk="1" latinLnBrk="0" hangingPunct="1">
+              <a:defRPr sz="1800" kern="1200">
+                <a:solidFill>
+                  <a:schemeClr val="lt1"/>
+                </a:solidFill>
+                <a:latin typeface="+mn-lt"/>
+                <a:ea typeface="+mn-ea"/>
+                <a:cs typeface="+mn-cs"/>
+              </a:defRPr>
+            </a:lvl6pPr>
+            <a:lvl7pPr marL="2743200" algn="l" defTabSz="914400" rtl="0" eaLnBrk="1" latinLnBrk="0" hangingPunct="1">
+              <a:defRPr sz="1800" kern="1200">
+                <a:solidFill>
+                  <a:schemeClr val="lt1"/>
+                </a:solidFill>
+                <a:latin typeface="+mn-lt"/>
+                <a:ea typeface="+mn-ea"/>
+                <a:cs typeface="+mn-cs"/>
+              </a:defRPr>
+            </a:lvl7pPr>
+            <a:lvl8pPr marL="3200400" algn="l" defTabSz="914400" rtl="0" eaLnBrk="1" latinLnBrk="0" hangingPunct="1">
+              <a:defRPr sz="1800" kern="1200">
+                <a:solidFill>
+                  <a:schemeClr val="lt1"/>
+                </a:solidFill>
+                <a:latin typeface="+mn-lt"/>
+                <a:ea typeface="+mn-ea"/>
+                <a:cs typeface="+mn-cs"/>
+              </a:defRPr>
+            </a:lvl8pPr>
+            <a:lvl9pPr marL="3657600" algn="l" defTabSz="914400" rtl="0" eaLnBrk="1" latinLnBrk="0" hangingPunct="1">
+              <a:defRPr sz="1800" kern="1200">
+                <a:solidFill>
+                  <a:schemeClr val="lt1"/>
+                </a:solidFill>
+                <a:latin typeface="+mn-lt"/>
+                <a:ea typeface="+mn-ea"/>
+                <a:cs typeface="+mn-cs"/>
+              </a:defRPr>
+            </a:lvl9pPr>
+          </a:lstStyle>
+          <a:p>
+            <a:pPr algn="ctr"/>
+            <a:r>
+              <a:rPr lang="en-AU" sz="1600" b="1" dirty="0"/>
+              <a:t>Data Preprocessing</a:t>
+            </a:r>
+          </a:p>
+        </p:txBody>
+      </p:sp>
+      <p:sp>
+        <p:nvSpPr>
+          <p:cNvPr id="23" name="Rechteck 22">
+            <a:extLst>
+              <a:ext uri="{FF2B5EF4-FFF2-40B4-BE49-F238E27FC236}">
+                <a16:creationId xmlns:a16="http://schemas.microsoft.com/office/drawing/2014/main" id="{87587176-A4A7-4C8A-8798-119C5D3E915E}"/>
+              </a:ext>
+            </a:extLst>
+          </p:cNvPr>
+          <p:cNvSpPr/>
+          <p:nvPr/>
+        </p:nvSpPr>
+        <p:spPr>
+          <a:xfrm>
+            <a:off x="9985124" y="1627132"/>
+            <a:ext cx="1646483" cy="730954"/>
+          </a:xfrm>
+          <a:prstGeom prst="rect">
+            <a:avLst/>
+          </a:prstGeom>
+          <a:solidFill>
+            <a:srgbClr val="8FA0B7"/>
+          </a:solidFill>
+          <a:ln>
+            <a:noFill/>
+          </a:ln>
+        </p:spPr>
+        <p:style>
+          <a:lnRef idx="2">
+            <a:schemeClr val="accent1">
+              <a:shade val="50000"/>
+            </a:schemeClr>
+          </a:lnRef>
+          <a:fillRef idx="1">
+            <a:schemeClr val="accent1"/>
+          </a:fillRef>
+          <a:effectRef idx="0">
+            <a:schemeClr val="accent1"/>
+          </a:effectRef>
+          <a:fontRef idx="minor">
+            <a:schemeClr val="lt1"/>
+          </a:fontRef>
+        </p:style>
+        <p:txBody>
+          <a:bodyPr rtlCol="0" anchor="ctr"/>
+          <a:lstStyle>
+            <a:defPPr>
+              <a:defRPr lang="en-US"/>
+            </a:defPPr>
+            <a:lvl1pPr marL="0" algn="l" defTabSz="914400" rtl="0" eaLnBrk="1" latinLnBrk="0" hangingPunct="1">
+              <a:defRPr sz="1800" kern="1200">
+                <a:solidFill>
+                  <a:schemeClr val="lt1"/>
+                </a:solidFill>
+                <a:latin typeface="+mn-lt"/>
+                <a:ea typeface="+mn-ea"/>
+                <a:cs typeface="+mn-cs"/>
+              </a:defRPr>
+            </a:lvl1pPr>
+            <a:lvl2pPr marL="457200" algn="l" defTabSz="914400" rtl="0" eaLnBrk="1" latinLnBrk="0" hangingPunct="1">
+              <a:defRPr sz="1800" kern="1200">
+                <a:solidFill>
+                  <a:schemeClr val="lt1"/>
+                </a:solidFill>
+                <a:latin typeface="+mn-lt"/>
+                <a:ea typeface="+mn-ea"/>
+                <a:cs typeface="+mn-cs"/>
+              </a:defRPr>
+            </a:lvl2pPr>
+            <a:lvl3pPr marL="914400" algn="l" defTabSz="914400" rtl="0" eaLnBrk="1" latinLnBrk="0" hangingPunct="1">
+              <a:defRPr sz="1800" kern="1200">
+                <a:solidFill>
+                  <a:schemeClr val="lt1"/>
+                </a:solidFill>
+                <a:latin typeface="+mn-lt"/>
+                <a:ea typeface="+mn-ea"/>
+                <a:cs typeface="+mn-cs"/>
+              </a:defRPr>
+            </a:lvl3pPr>
+            <a:lvl4pPr marL="1371600" algn="l" defTabSz="914400" rtl="0" eaLnBrk="1" latinLnBrk="0" hangingPunct="1">
+              <a:defRPr sz="1800" kern="1200">
+                <a:solidFill>
+                  <a:schemeClr val="lt1"/>
+                </a:solidFill>
+                <a:latin typeface="+mn-lt"/>
+                <a:ea typeface="+mn-ea"/>
+                <a:cs typeface="+mn-cs"/>
+              </a:defRPr>
+            </a:lvl4pPr>
+            <a:lvl5pPr marL="1828800" algn="l" defTabSz="914400" rtl="0" eaLnBrk="1" latinLnBrk="0" hangingPunct="1">
+              <a:defRPr sz="1800" kern="1200">
+                <a:solidFill>
+                  <a:schemeClr val="lt1"/>
+                </a:solidFill>
+                <a:latin typeface="+mn-lt"/>
+                <a:ea typeface="+mn-ea"/>
+                <a:cs typeface="+mn-cs"/>
+              </a:defRPr>
+            </a:lvl5pPr>
+            <a:lvl6pPr marL="2286000" algn="l" defTabSz="914400" rtl="0" eaLnBrk="1" latinLnBrk="0" hangingPunct="1">
+              <a:defRPr sz="1800" kern="1200">
+                <a:solidFill>
+                  <a:schemeClr val="lt1"/>
+                </a:solidFill>
+                <a:latin typeface="+mn-lt"/>
+                <a:ea typeface="+mn-ea"/>
+                <a:cs typeface="+mn-cs"/>
+              </a:defRPr>
+            </a:lvl6pPr>
+            <a:lvl7pPr marL="2743200" algn="l" defTabSz="914400" rtl="0" eaLnBrk="1" latinLnBrk="0" hangingPunct="1">
+              <a:defRPr sz="1800" kern="1200">
+                <a:solidFill>
+                  <a:schemeClr val="lt1"/>
+                </a:solidFill>
+                <a:latin typeface="+mn-lt"/>
+                <a:ea typeface="+mn-ea"/>
+                <a:cs typeface="+mn-cs"/>
+              </a:defRPr>
+            </a:lvl7pPr>
+            <a:lvl8pPr marL="3200400" algn="l" defTabSz="914400" rtl="0" eaLnBrk="1" latinLnBrk="0" hangingPunct="1">
+              <a:defRPr sz="1800" kern="1200">
+                <a:solidFill>
+                  <a:schemeClr val="lt1"/>
+                </a:solidFill>
+                <a:latin typeface="+mn-lt"/>
+                <a:ea typeface="+mn-ea"/>
+                <a:cs typeface="+mn-cs"/>
+              </a:defRPr>
+            </a:lvl8pPr>
+            <a:lvl9pPr marL="3657600" algn="l" defTabSz="914400" rtl="0" eaLnBrk="1" latinLnBrk="0" hangingPunct="1">
+              <a:defRPr sz="1800" kern="1200">
+                <a:solidFill>
+                  <a:schemeClr val="lt1"/>
+                </a:solidFill>
+                <a:latin typeface="+mn-lt"/>
+                <a:ea typeface="+mn-ea"/>
+                <a:cs typeface="+mn-cs"/>
+              </a:defRPr>
+            </a:lvl9pPr>
+          </a:lstStyle>
+          <a:p>
+            <a:pPr algn="ctr"/>
+            <a:r>
+              <a:rPr lang="en-AU" sz="1600" b="1" dirty="0"/>
+              <a:t>Cleaned</a:t>
+            </a:r>
+            <a:r>
+              <a:rPr lang="de-DE" sz="1600" b="1" dirty="0"/>
+              <a:t> Data</a:t>
+            </a:r>
+            <a:endParaRPr lang="de-DE" sz="1600" b="1" baseline="-25000" dirty="0"/>
+          </a:p>
+        </p:txBody>
+      </p:sp>
+      <p:cxnSp>
+        <p:nvCxnSpPr>
+          <p:cNvPr id="24" name="Gerade Verbindung mit Pfeil 23">
+            <a:extLst>
+              <a:ext uri="{FF2B5EF4-FFF2-40B4-BE49-F238E27FC236}">
+                <a16:creationId xmlns:a16="http://schemas.microsoft.com/office/drawing/2014/main" id="{6B9C4A15-AB7D-7F74-7224-B6A32E547B4E}"/>
+              </a:ext>
+            </a:extLst>
+          </p:cNvPr>
+          <p:cNvCxnSpPr>
+            <a:cxnSpLocks/>
+            <a:stCxn id="22" idx="3"/>
+            <a:endCxn id="23" idx="1"/>
+          </p:cNvCxnSpPr>
+          <p:nvPr/>
+        </p:nvCxnSpPr>
+        <p:spPr>
+          <a:xfrm>
+            <a:off x="8229936" y="1992609"/>
+            <a:ext cx="1755188" cy="0"/>
+          </a:xfrm>
+          <a:prstGeom prst="straightConnector1">
+            <a:avLst/>
+          </a:prstGeom>
+          <a:ln w="57150">
+            <a:solidFill>
+              <a:srgbClr val="44546A"/>
+            </a:solidFill>
+            <a:tailEnd type="triangle"/>
+          </a:ln>
+        </p:spPr>
+        <p:style>
+          <a:lnRef idx="1">
+            <a:schemeClr val="accent1"/>
+          </a:lnRef>
+          <a:fillRef idx="0">
+            <a:schemeClr val="accent1"/>
+          </a:fillRef>
+          <a:effectRef idx="0">
+            <a:schemeClr val="accent1"/>
+          </a:effectRef>
+          <a:fontRef idx="minor">
+            <a:schemeClr val="tx1"/>
+          </a:fontRef>
+        </p:style>
+      </p:cxnSp>
+      <p:sp>
+        <p:nvSpPr>
+          <p:cNvPr id="25" name="Rechteck 24">
+            <a:extLst>
+              <a:ext uri="{FF2B5EF4-FFF2-40B4-BE49-F238E27FC236}">
+                <a16:creationId xmlns:a16="http://schemas.microsoft.com/office/drawing/2014/main" id="{C8A67F30-8094-690C-7FED-3F994296A748}"/>
+              </a:ext>
+            </a:extLst>
+          </p:cNvPr>
+          <p:cNvSpPr/>
+          <p:nvPr/>
+        </p:nvSpPr>
+        <p:spPr>
+          <a:xfrm>
+            <a:off x="9616902" y="2971726"/>
+            <a:ext cx="2382926" cy="970216"/>
+          </a:xfrm>
+          <a:prstGeom prst="rect">
+            <a:avLst/>
+          </a:prstGeom>
+          <a:solidFill>
+            <a:srgbClr val="44546A"/>
+          </a:solidFill>
+          <a:ln>
+            <a:noFill/>
+          </a:ln>
+        </p:spPr>
+        <p:style>
+          <a:lnRef idx="2">
+            <a:schemeClr val="accent1">
+              <a:shade val="50000"/>
+            </a:schemeClr>
+          </a:lnRef>
+          <a:fillRef idx="1">
+            <a:schemeClr val="accent1"/>
+          </a:fillRef>
+          <a:effectRef idx="0">
+            <a:schemeClr val="accent1"/>
+          </a:effectRef>
+          <a:fontRef idx="minor">
+            <a:schemeClr val="lt1"/>
+          </a:fontRef>
+        </p:style>
+        <p:txBody>
+          <a:bodyPr rtlCol="0" anchor="ctr"/>
+          <a:lstStyle>
+            <a:defPPr>
+              <a:defRPr lang="en-US"/>
+            </a:defPPr>
+            <a:lvl1pPr marL="0" algn="l" defTabSz="914400" rtl="0" eaLnBrk="1" latinLnBrk="0" hangingPunct="1">
+              <a:defRPr sz="1800" kern="1200">
+                <a:solidFill>
+                  <a:schemeClr val="lt1"/>
+                </a:solidFill>
+                <a:latin typeface="+mn-lt"/>
+                <a:ea typeface="+mn-ea"/>
+                <a:cs typeface="+mn-cs"/>
+              </a:defRPr>
+            </a:lvl1pPr>
+            <a:lvl2pPr marL="457200" algn="l" defTabSz="914400" rtl="0" eaLnBrk="1" latinLnBrk="0" hangingPunct="1">
+              <a:defRPr sz="1800" kern="1200">
+                <a:solidFill>
+                  <a:schemeClr val="lt1"/>
+                </a:solidFill>
+                <a:latin typeface="+mn-lt"/>
+                <a:ea typeface="+mn-ea"/>
+                <a:cs typeface="+mn-cs"/>
+              </a:defRPr>
+            </a:lvl2pPr>
+            <a:lvl3pPr marL="914400" algn="l" defTabSz="914400" rtl="0" eaLnBrk="1" latinLnBrk="0" hangingPunct="1">
+              <a:defRPr sz="1800" kern="1200">
+                <a:solidFill>
+                  <a:schemeClr val="lt1"/>
+                </a:solidFill>
+                <a:latin typeface="+mn-lt"/>
+                <a:ea typeface="+mn-ea"/>
+                <a:cs typeface="+mn-cs"/>
+              </a:defRPr>
+            </a:lvl3pPr>
+            <a:lvl4pPr marL="1371600" algn="l" defTabSz="914400" rtl="0" eaLnBrk="1" latinLnBrk="0" hangingPunct="1">
+              <a:defRPr sz="1800" kern="1200">
+                <a:solidFill>
+                  <a:schemeClr val="lt1"/>
+                </a:solidFill>
+                <a:latin typeface="+mn-lt"/>
+                <a:ea typeface="+mn-ea"/>
+                <a:cs typeface="+mn-cs"/>
+              </a:defRPr>
+            </a:lvl4pPr>
+            <a:lvl5pPr marL="1828800" algn="l" defTabSz="914400" rtl="0" eaLnBrk="1" latinLnBrk="0" hangingPunct="1">
+              <a:defRPr sz="1800" kern="1200">
+                <a:solidFill>
+                  <a:schemeClr val="lt1"/>
+                </a:solidFill>
+                <a:latin typeface="+mn-lt"/>
+                <a:ea typeface="+mn-ea"/>
+                <a:cs typeface="+mn-cs"/>
+              </a:defRPr>
+            </a:lvl5pPr>
+            <a:lvl6pPr marL="2286000" algn="l" defTabSz="914400" rtl="0" eaLnBrk="1" latinLnBrk="0" hangingPunct="1">
+              <a:defRPr sz="1800" kern="1200">
+                <a:solidFill>
+                  <a:schemeClr val="lt1"/>
+                </a:solidFill>
+                <a:latin typeface="+mn-lt"/>
+                <a:ea typeface="+mn-ea"/>
+                <a:cs typeface="+mn-cs"/>
+              </a:defRPr>
+            </a:lvl6pPr>
+            <a:lvl7pPr marL="2743200" algn="l" defTabSz="914400" rtl="0" eaLnBrk="1" latinLnBrk="0" hangingPunct="1">
+              <a:defRPr sz="1800" kern="1200">
+                <a:solidFill>
+                  <a:schemeClr val="lt1"/>
+                </a:solidFill>
+                <a:latin typeface="+mn-lt"/>
+                <a:ea typeface="+mn-ea"/>
+                <a:cs typeface="+mn-cs"/>
+              </a:defRPr>
+            </a:lvl7pPr>
+            <a:lvl8pPr marL="3200400" algn="l" defTabSz="914400" rtl="0" eaLnBrk="1" latinLnBrk="0" hangingPunct="1">
+              <a:defRPr sz="1800" kern="1200">
+                <a:solidFill>
+                  <a:schemeClr val="lt1"/>
+                </a:solidFill>
+                <a:latin typeface="+mn-lt"/>
+                <a:ea typeface="+mn-ea"/>
+                <a:cs typeface="+mn-cs"/>
+              </a:defRPr>
+            </a:lvl8pPr>
+            <a:lvl9pPr marL="3657600" algn="l" defTabSz="914400" rtl="0" eaLnBrk="1" latinLnBrk="0" hangingPunct="1">
+              <a:defRPr sz="1800" kern="1200">
+                <a:solidFill>
+                  <a:schemeClr val="lt1"/>
+                </a:solidFill>
+                <a:latin typeface="+mn-lt"/>
+                <a:ea typeface="+mn-ea"/>
+                <a:cs typeface="+mn-cs"/>
+              </a:defRPr>
+            </a:lvl9pPr>
+          </a:lstStyle>
+          <a:p>
+            <a:pPr algn="ctr"/>
+            <a:r>
+              <a:rPr lang="de-DE" sz="1600" b="1" dirty="0"/>
+              <a:t>Analysis</a:t>
+            </a:r>
+          </a:p>
+        </p:txBody>
+      </p:sp>
+      <p:cxnSp>
+        <p:nvCxnSpPr>
+          <p:cNvPr id="26" name="Gerade Verbindung mit Pfeil 25">
+            <a:extLst>
+              <a:ext uri="{FF2B5EF4-FFF2-40B4-BE49-F238E27FC236}">
+                <a16:creationId xmlns:a16="http://schemas.microsoft.com/office/drawing/2014/main" id="{FF2D39D7-7E9D-0EA6-DEE0-1FF8BAAC55D1}"/>
+              </a:ext>
+            </a:extLst>
+          </p:cNvPr>
+          <p:cNvCxnSpPr>
+            <a:cxnSpLocks/>
+            <a:stCxn id="23" idx="2"/>
+            <a:endCxn id="25" idx="0"/>
+          </p:cNvCxnSpPr>
+          <p:nvPr/>
+        </p:nvCxnSpPr>
+        <p:spPr>
+          <a:xfrm flipH="1">
+            <a:off x="10808365" y="2358086"/>
+            <a:ext cx="1" cy="613640"/>
+          </a:xfrm>
+          <a:prstGeom prst="straightConnector1">
+            <a:avLst/>
+          </a:prstGeom>
+          <a:ln w="57150">
+            <a:solidFill>
+              <a:srgbClr val="44546A"/>
+            </a:solidFill>
+            <a:tailEnd type="triangle"/>
+          </a:ln>
+        </p:spPr>
+        <p:style>
+          <a:lnRef idx="1">
+            <a:schemeClr val="accent1"/>
+          </a:lnRef>
+          <a:fillRef idx="0">
+            <a:schemeClr val="accent1"/>
+          </a:fillRef>
+          <a:effectRef idx="0">
+            <a:schemeClr val="accent1"/>
+          </a:effectRef>
+          <a:fontRef idx="minor">
+            <a:schemeClr val="tx1"/>
+          </a:fontRef>
+        </p:style>
+      </p:cxnSp>
+      <p:pic>
+        <p:nvPicPr>
+          <p:cNvPr id="27" name="Grafik 26" descr="Ein Bild, das Cartoon, Clipart, Darstellung, Design enthält.&#10;&#10;Automatisch generierte Beschreibung">
+            <a:extLst>
+              <a:ext uri="{FF2B5EF4-FFF2-40B4-BE49-F238E27FC236}">
+                <a16:creationId xmlns:a16="http://schemas.microsoft.com/office/drawing/2014/main" id="{C97BA5F0-C221-2C7A-5345-DB7FF5E463CA}"/>
+              </a:ext>
+            </a:extLst>
+          </p:cNvPr>
+          <p:cNvPicPr>
+            <a:picLocks noChangeAspect="1"/>
+          </p:cNvPicPr>
+          <p:nvPr/>
+        </p:nvPicPr>
+        <p:blipFill>
+          <a:blip r:embed="rId3"/>
+          <a:stretch>
+            <a:fillRect/>
+          </a:stretch>
+        </p:blipFill>
+        <p:spPr>
+          <a:xfrm>
+            <a:off x="10265812" y="514656"/>
+            <a:ext cx="1245837" cy="1245837"/>
+          </a:xfrm>
+          <a:prstGeom prst="rect">
+            <a:avLst/>
+          </a:prstGeom>
+        </p:spPr>
+      </p:pic>
+      <p:sp>
+        <p:nvSpPr>
+          <p:cNvPr id="28" name="Rechteck 27">
+            <a:extLst>
+              <a:ext uri="{FF2B5EF4-FFF2-40B4-BE49-F238E27FC236}">
+                <a16:creationId xmlns:a16="http://schemas.microsoft.com/office/drawing/2014/main" id="{D2E1F5FB-4CB3-A555-C59C-CF18CACE2F94}"/>
+              </a:ext>
+            </a:extLst>
+          </p:cNvPr>
+          <p:cNvSpPr/>
+          <p:nvPr/>
+        </p:nvSpPr>
+        <p:spPr>
+          <a:xfrm>
+            <a:off x="5954320" y="2582927"/>
+            <a:ext cx="2110158" cy="370575"/>
+          </a:xfrm>
+          <a:prstGeom prst="rect">
+            <a:avLst/>
+          </a:prstGeom>
+          <a:solidFill>
+            <a:srgbClr val="44546A"/>
+          </a:solidFill>
+          <a:ln>
+            <a:noFill/>
+          </a:ln>
+        </p:spPr>
+        <p:style>
+          <a:lnRef idx="2">
+            <a:schemeClr val="accent1">
+              <a:shade val="50000"/>
+            </a:schemeClr>
+          </a:lnRef>
+          <a:fillRef idx="1">
+            <a:schemeClr val="accent1"/>
+          </a:fillRef>
+          <a:effectRef idx="0">
+            <a:schemeClr val="accent1"/>
+          </a:effectRef>
+          <a:fontRef idx="minor">
+            <a:schemeClr val="lt1"/>
+          </a:fontRef>
+        </p:style>
+        <p:txBody>
+          <a:bodyPr rtlCol="0" anchor="ctr"/>
+          <a:lstStyle>
+            <a:defPPr>
+              <a:defRPr lang="en-US"/>
+            </a:defPPr>
+            <a:lvl1pPr marL="0" algn="l" defTabSz="914400" rtl="0" eaLnBrk="1" latinLnBrk="0" hangingPunct="1">
+              <a:defRPr sz="1800" kern="1200">
+                <a:solidFill>
+                  <a:schemeClr val="lt1"/>
+                </a:solidFill>
+                <a:latin typeface="+mn-lt"/>
+                <a:ea typeface="+mn-ea"/>
+                <a:cs typeface="+mn-cs"/>
+              </a:defRPr>
+            </a:lvl1pPr>
+            <a:lvl2pPr marL="457200" algn="l" defTabSz="914400" rtl="0" eaLnBrk="1" latinLnBrk="0" hangingPunct="1">
+              <a:defRPr sz="1800" kern="1200">
+                <a:solidFill>
+                  <a:schemeClr val="lt1"/>
+                </a:solidFill>
+                <a:latin typeface="+mn-lt"/>
+                <a:ea typeface="+mn-ea"/>
+                <a:cs typeface="+mn-cs"/>
+              </a:defRPr>
+            </a:lvl2pPr>
+            <a:lvl3pPr marL="914400" algn="l" defTabSz="914400" rtl="0" eaLnBrk="1" latinLnBrk="0" hangingPunct="1">
+              <a:defRPr sz="1800" kern="1200">
+                <a:solidFill>
+                  <a:schemeClr val="lt1"/>
+                </a:solidFill>
+                <a:latin typeface="+mn-lt"/>
+                <a:ea typeface="+mn-ea"/>
+                <a:cs typeface="+mn-cs"/>
+              </a:defRPr>
+            </a:lvl3pPr>
+            <a:lvl4pPr marL="1371600" algn="l" defTabSz="914400" rtl="0" eaLnBrk="1" latinLnBrk="0" hangingPunct="1">
+              <a:defRPr sz="1800" kern="1200">
+                <a:solidFill>
+                  <a:schemeClr val="lt1"/>
+                </a:solidFill>
+                <a:latin typeface="+mn-lt"/>
+                <a:ea typeface="+mn-ea"/>
+                <a:cs typeface="+mn-cs"/>
+              </a:defRPr>
+            </a:lvl4pPr>
+            <a:lvl5pPr marL="1828800" algn="l" defTabSz="914400" rtl="0" eaLnBrk="1" latinLnBrk="0" hangingPunct="1">
+              <a:defRPr sz="1800" kern="1200">
+                <a:solidFill>
+                  <a:schemeClr val="lt1"/>
+                </a:solidFill>
+                <a:latin typeface="+mn-lt"/>
+                <a:ea typeface="+mn-ea"/>
+                <a:cs typeface="+mn-cs"/>
+              </a:defRPr>
+            </a:lvl5pPr>
+            <a:lvl6pPr marL="2286000" algn="l" defTabSz="914400" rtl="0" eaLnBrk="1" latinLnBrk="0" hangingPunct="1">
+              <a:defRPr sz="1800" kern="1200">
+                <a:solidFill>
+                  <a:schemeClr val="lt1"/>
+                </a:solidFill>
+                <a:latin typeface="+mn-lt"/>
+                <a:ea typeface="+mn-ea"/>
+                <a:cs typeface="+mn-cs"/>
+              </a:defRPr>
+            </a:lvl6pPr>
+            <a:lvl7pPr marL="2743200" algn="l" defTabSz="914400" rtl="0" eaLnBrk="1" latinLnBrk="0" hangingPunct="1">
+              <a:defRPr sz="1800" kern="1200">
+                <a:solidFill>
+                  <a:schemeClr val="lt1"/>
+                </a:solidFill>
+                <a:latin typeface="+mn-lt"/>
+                <a:ea typeface="+mn-ea"/>
+                <a:cs typeface="+mn-cs"/>
+              </a:defRPr>
+            </a:lvl7pPr>
+            <a:lvl8pPr marL="3200400" algn="l" defTabSz="914400" rtl="0" eaLnBrk="1" latinLnBrk="0" hangingPunct="1">
+              <a:defRPr sz="1800" kern="1200">
+                <a:solidFill>
+                  <a:schemeClr val="lt1"/>
+                </a:solidFill>
+                <a:latin typeface="+mn-lt"/>
+                <a:ea typeface="+mn-ea"/>
+                <a:cs typeface="+mn-cs"/>
+              </a:defRPr>
+            </a:lvl8pPr>
+            <a:lvl9pPr marL="3657600" algn="l" defTabSz="914400" rtl="0" eaLnBrk="1" latinLnBrk="0" hangingPunct="1">
+              <a:defRPr sz="1800" kern="1200">
+                <a:solidFill>
+                  <a:schemeClr val="lt1"/>
+                </a:solidFill>
+                <a:latin typeface="+mn-lt"/>
+                <a:ea typeface="+mn-ea"/>
+                <a:cs typeface="+mn-cs"/>
+              </a:defRPr>
+            </a:lvl9pPr>
+          </a:lstStyle>
+          <a:p>
+            <a:pPr algn="ctr"/>
+            <a:r>
+              <a:rPr lang="en-US" sz="1100" b="1" dirty="0"/>
+              <a:t>Removing unwanted characters</a:t>
+            </a:r>
+          </a:p>
+        </p:txBody>
+      </p:sp>
+      <p:sp>
+        <p:nvSpPr>
+          <p:cNvPr id="29" name="Rechteck 28">
+            <a:extLst>
+              <a:ext uri="{FF2B5EF4-FFF2-40B4-BE49-F238E27FC236}">
+                <a16:creationId xmlns:a16="http://schemas.microsoft.com/office/drawing/2014/main" id="{3C9C8214-FE75-D634-801C-2CD01541DA95}"/>
+              </a:ext>
+            </a:extLst>
+          </p:cNvPr>
+          <p:cNvSpPr/>
+          <p:nvPr/>
+        </p:nvSpPr>
+        <p:spPr>
+          <a:xfrm>
+            <a:off x="5954320" y="3125327"/>
+            <a:ext cx="2110158" cy="370575"/>
+          </a:xfrm>
+          <a:prstGeom prst="rect">
+            <a:avLst/>
+          </a:prstGeom>
+          <a:solidFill>
+            <a:srgbClr val="44546A"/>
+          </a:solidFill>
+          <a:ln>
+            <a:noFill/>
+          </a:ln>
+        </p:spPr>
+        <p:style>
+          <a:lnRef idx="2">
+            <a:schemeClr val="accent1">
+              <a:shade val="50000"/>
+            </a:schemeClr>
+          </a:lnRef>
+          <a:fillRef idx="1">
+            <a:schemeClr val="accent1"/>
+          </a:fillRef>
+          <a:effectRef idx="0">
+            <a:schemeClr val="accent1"/>
+          </a:effectRef>
+          <a:fontRef idx="minor">
+            <a:schemeClr val="lt1"/>
+          </a:fontRef>
+        </p:style>
+        <p:txBody>
+          <a:bodyPr rtlCol="0" anchor="ctr"/>
+          <a:lstStyle>
+            <a:defPPr>
+              <a:defRPr lang="en-US"/>
+            </a:defPPr>
+            <a:lvl1pPr marL="0" algn="l" defTabSz="914400" rtl="0" eaLnBrk="1" latinLnBrk="0" hangingPunct="1">
+              <a:defRPr sz="1800" kern="1200">
+                <a:solidFill>
+                  <a:schemeClr val="lt1"/>
+                </a:solidFill>
+                <a:latin typeface="+mn-lt"/>
+                <a:ea typeface="+mn-ea"/>
+                <a:cs typeface="+mn-cs"/>
+              </a:defRPr>
+            </a:lvl1pPr>
+            <a:lvl2pPr marL="457200" algn="l" defTabSz="914400" rtl="0" eaLnBrk="1" latinLnBrk="0" hangingPunct="1">
+              <a:defRPr sz="1800" kern="1200">
+                <a:solidFill>
+                  <a:schemeClr val="lt1"/>
+                </a:solidFill>
+                <a:latin typeface="+mn-lt"/>
+                <a:ea typeface="+mn-ea"/>
+                <a:cs typeface="+mn-cs"/>
+              </a:defRPr>
+            </a:lvl2pPr>
+            <a:lvl3pPr marL="914400" algn="l" defTabSz="914400" rtl="0" eaLnBrk="1" latinLnBrk="0" hangingPunct="1">
+              <a:defRPr sz="1800" kern="1200">
+                <a:solidFill>
+                  <a:schemeClr val="lt1"/>
+                </a:solidFill>
+                <a:latin typeface="+mn-lt"/>
+                <a:ea typeface="+mn-ea"/>
+                <a:cs typeface="+mn-cs"/>
+              </a:defRPr>
+            </a:lvl3pPr>
+            <a:lvl4pPr marL="1371600" algn="l" defTabSz="914400" rtl="0" eaLnBrk="1" latinLnBrk="0" hangingPunct="1">
+              <a:defRPr sz="1800" kern="1200">
+                <a:solidFill>
+                  <a:schemeClr val="lt1"/>
+                </a:solidFill>
+                <a:latin typeface="+mn-lt"/>
+                <a:ea typeface="+mn-ea"/>
+                <a:cs typeface="+mn-cs"/>
+              </a:defRPr>
+            </a:lvl4pPr>
+            <a:lvl5pPr marL="1828800" algn="l" defTabSz="914400" rtl="0" eaLnBrk="1" latinLnBrk="0" hangingPunct="1">
+              <a:defRPr sz="1800" kern="1200">
+                <a:solidFill>
+                  <a:schemeClr val="lt1"/>
+                </a:solidFill>
+                <a:latin typeface="+mn-lt"/>
+                <a:ea typeface="+mn-ea"/>
+                <a:cs typeface="+mn-cs"/>
+              </a:defRPr>
+            </a:lvl5pPr>
+            <a:lvl6pPr marL="2286000" algn="l" defTabSz="914400" rtl="0" eaLnBrk="1" latinLnBrk="0" hangingPunct="1">
+              <a:defRPr sz="1800" kern="1200">
+                <a:solidFill>
+                  <a:schemeClr val="lt1"/>
+                </a:solidFill>
+                <a:latin typeface="+mn-lt"/>
+                <a:ea typeface="+mn-ea"/>
+                <a:cs typeface="+mn-cs"/>
+              </a:defRPr>
+            </a:lvl6pPr>
+            <a:lvl7pPr marL="2743200" algn="l" defTabSz="914400" rtl="0" eaLnBrk="1" latinLnBrk="0" hangingPunct="1">
+              <a:defRPr sz="1800" kern="1200">
+                <a:solidFill>
+                  <a:schemeClr val="lt1"/>
+                </a:solidFill>
+                <a:latin typeface="+mn-lt"/>
+                <a:ea typeface="+mn-ea"/>
+                <a:cs typeface="+mn-cs"/>
+              </a:defRPr>
+            </a:lvl7pPr>
+            <a:lvl8pPr marL="3200400" algn="l" defTabSz="914400" rtl="0" eaLnBrk="1" latinLnBrk="0" hangingPunct="1">
+              <a:defRPr sz="1800" kern="1200">
+                <a:solidFill>
+                  <a:schemeClr val="lt1"/>
+                </a:solidFill>
+                <a:latin typeface="+mn-lt"/>
+                <a:ea typeface="+mn-ea"/>
+                <a:cs typeface="+mn-cs"/>
+              </a:defRPr>
+            </a:lvl8pPr>
+            <a:lvl9pPr marL="3657600" algn="l" defTabSz="914400" rtl="0" eaLnBrk="1" latinLnBrk="0" hangingPunct="1">
+              <a:defRPr sz="1800" kern="1200">
+                <a:solidFill>
+                  <a:schemeClr val="lt1"/>
+                </a:solidFill>
+                <a:latin typeface="+mn-lt"/>
+                <a:ea typeface="+mn-ea"/>
+                <a:cs typeface="+mn-cs"/>
+              </a:defRPr>
+            </a:lvl9pPr>
+          </a:lstStyle>
+          <a:p>
+            <a:pPr algn="ctr"/>
+            <a:r>
+              <a:rPr lang="en-US" sz="1100" b="1" dirty="0"/>
+              <a:t>Transition to lowercase</a:t>
+            </a:r>
+          </a:p>
+        </p:txBody>
+      </p:sp>
+      <p:sp>
+        <p:nvSpPr>
+          <p:cNvPr id="30" name="Rechteck 29">
+            <a:extLst>
+              <a:ext uri="{FF2B5EF4-FFF2-40B4-BE49-F238E27FC236}">
+                <a16:creationId xmlns:a16="http://schemas.microsoft.com/office/drawing/2014/main" id="{E9F78C20-AB71-6A8E-A872-276D3B2E0B52}"/>
+              </a:ext>
+            </a:extLst>
+          </p:cNvPr>
+          <p:cNvSpPr/>
+          <p:nvPr/>
+        </p:nvSpPr>
+        <p:spPr>
+          <a:xfrm>
+            <a:off x="5954320" y="3699759"/>
+            <a:ext cx="2110158" cy="370575"/>
+          </a:xfrm>
+          <a:prstGeom prst="rect">
+            <a:avLst/>
+          </a:prstGeom>
+          <a:solidFill>
+            <a:srgbClr val="44546A"/>
+          </a:solidFill>
+          <a:ln>
+            <a:noFill/>
+          </a:ln>
+        </p:spPr>
+        <p:style>
+          <a:lnRef idx="2">
+            <a:schemeClr val="accent1">
+              <a:shade val="50000"/>
+            </a:schemeClr>
+          </a:lnRef>
+          <a:fillRef idx="1">
+            <a:schemeClr val="accent1"/>
+          </a:fillRef>
+          <a:effectRef idx="0">
+            <a:schemeClr val="accent1"/>
+          </a:effectRef>
+          <a:fontRef idx="minor">
+            <a:schemeClr val="lt1"/>
+          </a:fontRef>
+        </p:style>
+        <p:txBody>
+          <a:bodyPr rtlCol="0" anchor="ctr"/>
+          <a:lstStyle>
+            <a:defPPr>
+              <a:defRPr lang="en-US"/>
+            </a:defPPr>
+            <a:lvl1pPr marL="0" algn="l" defTabSz="914400" rtl="0" eaLnBrk="1" latinLnBrk="0" hangingPunct="1">
+              <a:defRPr sz="1800" kern="1200">
+                <a:solidFill>
+                  <a:schemeClr val="lt1"/>
+                </a:solidFill>
+                <a:latin typeface="+mn-lt"/>
+                <a:ea typeface="+mn-ea"/>
+                <a:cs typeface="+mn-cs"/>
+              </a:defRPr>
+            </a:lvl1pPr>
+            <a:lvl2pPr marL="457200" algn="l" defTabSz="914400" rtl="0" eaLnBrk="1" latinLnBrk="0" hangingPunct="1">
+              <a:defRPr sz="1800" kern="1200">
+                <a:solidFill>
+                  <a:schemeClr val="lt1"/>
+                </a:solidFill>
+                <a:latin typeface="+mn-lt"/>
+                <a:ea typeface="+mn-ea"/>
+                <a:cs typeface="+mn-cs"/>
+              </a:defRPr>
+            </a:lvl2pPr>
+            <a:lvl3pPr marL="914400" algn="l" defTabSz="914400" rtl="0" eaLnBrk="1" latinLnBrk="0" hangingPunct="1">
+              <a:defRPr sz="1800" kern="1200">
+                <a:solidFill>
+                  <a:schemeClr val="lt1"/>
+                </a:solidFill>
+                <a:latin typeface="+mn-lt"/>
+                <a:ea typeface="+mn-ea"/>
+                <a:cs typeface="+mn-cs"/>
+              </a:defRPr>
+            </a:lvl3pPr>
+            <a:lvl4pPr marL="1371600" algn="l" defTabSz="914400" rtl="0" eaLnBrk="1" latinLnBrk="0" hangingPunct="1">
+              <a:defRPr sz="1800" kern="1200">
+                <a:solidFill>
+                  <a:schemeClr val="lt1"/>
+                </a:solidFill>
+                <a:latin typeface="+mn-lt"/>
+                <a:ea typeface="+mn-ea"/>
+                <a:cs typeface="+mn-cs"/>
+              </a:defRPr>
+            </a:lvl4pPr>
+            <a:lvl5pPr marL="1828800" algn="l" defTabSz="914400" rtl="0" eaLnBrk="1" latinLnBrk="0" hangingPunct="1">
+              <a:defRPr sz="1800" kern="1200">
+                <a:solidFill>
+                  <a:schemeClr val="lt1"/>
+                </a:solidFill>
+                <a:latin typeface="+mn-lt"/>
+                <a:ea typeface="+mn-ea"/>
+                <a:cs typeface="+mn-cs"/>
+              </a:defRPr>
+            </a:lvl5pPr>
+            <a:lvl6pPr marL="2286000" algn="l" defTabSz="914400" rtl="0" eaLnBrk="1" latinLnBrk="0" hangingPunct="1">
+              <a:defRPr sz="1800" kern="1200">
+                <a:solidFill>
+                  <a:schemeClr val="lt1"/>
+                </a:solidFill>
+                <a:latin typeface="+mn-lt"/>
+                <a:ea typeface="+mn-ea"/>
+                <a:cs typeface="+mn-cs"/>
+              </a:defRPr>
+            </a:lvl6pPr>
+            <a:lvl7pPr marL="2743200" algn="l" defTabSz="914400" rtl="0" eaLnBrk="1" latinLnBrk="0" hangingPunct="1">
+              <a:defRPr sz="1800" kern="1200">
+                <a:solidFill>
+                  <a:schemeClr val="lt1"/>
+                </a:solidFill>
+                <a:latin typeface="+mn-lt"/>
+                <a:ea typeface="+mn-ea"/>
+                <a:cs typeface="+mn-cs"/>
+              </a:defRPr>
+            </a:lvl7pPr>
+            <a:lvl8pPr marL="3200400" algn="l" defTabSz="914400" rtl="0" eaLnBrk="1" latinLnBrk="0" hangingPunct="1">
+              <a:defRPr sz="1800" kern="1200">
+                <a:solidFill>
+                  <a:schemeClr val="lt1"/>
+                </a:solidFill>
+                <a:latin typeface="+mn-lt"/>
+                <a:ea typeface="+mn-ea"/>
+                <a:cs typeface="+mn-cs"/>
+              </a:defRPr>
+            </a:lvl8pPr>
+            <a:lvl9pPr marL="3657600" algn="l" defTabSz="914400" rtl="0" eaLnBrk="1" latinLnBrk="0" hangingPunct="1">
+              <a:defRPr sz="1800" kern="1200">
+                <a:solidFill>
+                  <a:schemeClr val="lt1"/>
+                </a:solidFill>
+                <a:latin typeface="+mn-lt"/>
+                <a:ea typeface="+mn-ea"/>
+                <a:cs typeface="+mn-cs"/>
+              </a:defRPr>
+            </a:lvl9pPr>
+          </a:lstStyle>
+          <a:p>
+            <a:pPr algn="ctr"/>
+            <a:r>
+              <a:rPr lang="en-US" sz="1100" b="1" dirty="0"/>
+              <a:t>Tokenize words</a:t>
+            </a:r>
+          </a:p>
+        </p:txBody>
+      </p:sp>
+      <p:sp>
+        <p:nvSpPr>
+          <p:cNvPr id="31" name="Rechteck 30">
+            <a:extLst>
+              <a:ext uri="{FF2B5EF4-FFF2-40B4-BE49-F238E27FC236}">
+                <a16:creationId xmlns:a16="http://schemas.microsoft.com/office/drawing/2014/main" id="{7F8071CC-BD05-A3C2-ED39-1B6F9750C43A}"/>
+              </a:ext>
+            </a:extLst>
+          </p:cNvPr>
+          <p:cNvSpPr/>
+          <p:nvPr/>
+        </p:nvSpPr>
+        <p:spPr>
+          <a:xfrm>
+            <a:off x="5954320" y="4239044"/>
+            <a:ext cx="2110158" cy="370575"/>
+          </a:xfrm>
+          <a:prstGeom prst="rect">
+            <a:avLst/>
+          </a:prstGeom>
+          <a:solidFill>
+            <a:srgbClr val="44546A"/>
+          </a:solidFill>
+          <a:ln>
+            <a:noFill/>
+          </a:ln>
+        </p:spPr>
+        <p:style>
+          <a:lnRef idx="2">
+            <a:schemeClr val="accent1">
+              <a:shade val="50000"/>
+            </a:schemeClr>
+          </a:lnRef>
+          <a:fillRef idx="1">
+            <a:schemeClr val="accent1"/>
+          </a:fillRef>
+          <a:effectRef idx="0">
+            <a:schemeClr val="accent1"/>
+          </a:effectRef>
+          <a:fontRef idx="minor">
+            <a:schemeClr val="lt1"/>
+          </a:fontRef>
+        </p:style>
+        <p:txBody>
+          <a:bodyPr rtlCol="0" anchor="ctr"/>
+          <a:lstStyle>
+            <a:defPPr>
+              <a:defRPr lang="en-US"/>
+            </a:defPPr>
+            <a:lvl1pPr marL="0" algn="l" defTabSz="914400" rtl="0" eaLnBrk="1" latinLnBrk="0" hangingPunct="1">
+              <a:defRPr sz="1800" kern="1200">
+                <a:solidFill>
+                  <a:schemeClr val="lt1"/>
+                </a:solidFill>
+                <a:latin typeface="+mn-lt"/>
+                <a:ea typeface="+mn-ea"/>
+                <a:cs typeface="+mn-cs"/>
+              </a:defRPr>
+            </a:lvl1pPr>
+            <a:lvl2pPr marL="457200" algn="l" defTabSz="914400" rtl="0" eaLnBrk="1" latinLnBrk="0" hangingPunct="1">
+              <a:defRPr sz="1800" kern="1200">
+                <a:solidFill>
+                  <a:schemeClr val="lt1"/>
+                </a:solidFill>
+                <a:latin typeface="+mn-lt"/>
+                <a:ea typeface="+mn-ea"/>
+                <a:cs typeface="+mn-cs"/>
+              </a:defRPr>
+            </a:lvl2pPr>
+            <a:lvl3pPr marL="914400" algn="l" defTabSz="914400" rtl="0" eaLnBrk="1" latinLnBrk="0" hangingPunct="1">
+              <a:defRPr sz="1800" kern="1200">
+                <a:solidFill>
+                  <a:schemeClr val="lt1"/>
+                </a:solidFill>
+                <a:latin typeface="+mn-lt"/>
+                <a:ea typeface="+mn-ea"/>
+                <a:cs typeface="+mn-cs"/>
+              </a:defRPr>
+            </a:lvl3pPr>
+            <a:lvl4pPr marL="1371600" algn="l" defTabSz="914400" rtl="0" eaLnBrk="1" latinLnBrk="0" hangingPunct="1">
+              <a:defRPr sz="1800" kern="1200">
+                <a:solidFill>
+                  <a:schemeClr val="lt1"/>
+                </a:solidFill>
+                <a:latin typeface="+mn-lt"/>
+                <a:ea typeface="+mn-ea"/>
+                <a:cs typeface="+mn-cs"/>
+              </a:defRPr>
+            </a:lvl4pPr>
+            <a:lvl5pPr marL="1828800" algn="l" defTabSz="914400" rtl="0" eaLnBrk="1" latinLnBrk="0" hangingPunct="1">
+              <a:defRPr sz="1800" kern="1200">
+                <a:solidFill>
+                  <a:schemeClr val="lt1"/>
+                </a:solidFill>
+                <a:latin typeface="+mn-lt"/>
+                <a:ea typeface="+mn-ea"/>
+                <a:cs typeface="+mn-cs"/>
+              </a:defRPr>
+            </a:lvl5pPr>
+            <a:lvl6pPr marL="2286000" algn="l" defTabSz="914400" rtl="0" eaLnBrk="1" latinLnBrk="0" hangingPunct="1">
+              <a:defRPr sz="1800" kern="1200">
+                <a:solidFill>
+                  <a:schemeClr val="lt1"/>
+                </a:solidFill>
+                <a:latin typeface="+mn-lt"/>
+                <a:ea typeface="+mn-ea"/>
+                <a:cs typeface="+mn-cs"/>
+              </a:defRPr>
+            </a:lvl6pPr>
+            <a:lvl7pPr marL="2743200" algn="l" defTabSz="914400" rtl="0" eaLnBrk="1" latinLnBrk="0" hangingPunct="1">
+              <a:defRPr sz="1800" kern="1200">
+                <a:solidFill>
+                  <a:schemeClr val="lt1"/>
+                </a:solidFill>
+                <a:latin typeface="+mn-lt"/>
+                <a:ea typeface="+mn-ea"/>
+                <a:cs typeface="+mn-cs"/>
+              </a:defRPr>
+            </a:lvl7pPr>
+            <a:lvl8pPr marL="3200400" algn="l" defTabSz="914400" rtl="0" eaLnBrk="1" latinLnBrk="0" hangingPunct="1">
+              <a:defRPr sz="1800" kern="1200">
+                <a:solidFill>
+                  <a:schemeClr val="lt1"/>
+                </a:solidFill>
+                <a:latin typeface="+mn-lt"/>
+                <a:ea typeface="+mn-ea"/>
+                <a:cs typeface="+mn-cs"/>
+              </a:defRPr>
+            </a:lvl8pPr>
+            <a:lvl9pPr marL="3657600" algn="l" defTabSz="914400" rtl="0" eaLnBrk="1" latinLnBrk="0" hangingPunct="1">
+              <a:defRPr sz="1800" kern="1200">
+                <a:solidFill>
+                  <a:schemeClr val="lt1"/>
+                </a:solidFill>
+                <a:latin typeface="+mn-lt"/>
+                <a:ea typeface="+mn-ea"/>
+                <a:cs typeface="+mn-cs"/>
+              </a:defRPr>
+            </a:lvl9pPr>
+          </a:lstStyle>
+          <a:p>
+            <a:pPr algn="ctr"/>
+            <a:r>
+              <a:rPr lang="en-US" sz="1100" b="1" dirty="0"/>
+              <a:t>Word Filtering</a:t>
+            </a:r>
+            <a:br>
+              <a:rPr lang="en-US" sz="1100" b="1" dirty="0"/>
+            </a:br>
+            <a:r>
+              <a:rPr lang="en-US" sz="1100" b="1" dirty="0"/>
+              <a:t>(e.g. Removing Stop words)</a:t>
+            </a:r>
+          </a:p>
+        </p:txBody>
+      </p:sp>
+      <p:sp>
+        <p:nvSpPr>
+          <p:cNvPr id="32" name="Rechteck 31">
+            <a:extLst>
+              <a:ext uri="{FF2B5EF4-FFF2-40B4-BE49-F238E27FC236}">
+                <a16:creationId xmlns:a16="http://schemas.microsoft.com/office/drawing/2014/main" id="{2A9137F6-907D-16CC-60EB-421BA5C9CA64}"/>
+              </a:ext>
+            </a:extLst>
+          </p:cNvPr>
+          <p:cNvSpPr/>
+          <p:nvPr/>
+        </p:nvSpPr>
+        <p:spPr>
+          <a:xfrm>
+            <a:off x="5954320" y="4792896"/>
+            <a:ext cx="2110158" cy="370575"/>
+          </a:xfrm>
+          <a:prstGeom prst="rect">
+            <a:avLst/>
+          </a:prstGeom>
+          <a:solidFill>
+            <a:srgbClr val="44546A"/>
+          </a:solidFill>
+          <a:ln>
+            <a:noFill/>
+          </a:ln>
+        </p:spPr>
+        <p:style>
+          <a:lnRef idx="2">
+            <a:schemeClr val="accent1">
+              <a:shade val="50000"/>
+            </a:schemeClr>
+          </a:lnRef>
+          <a:fillRef idx="1">
+            <a:schemeClr val="accent1"/>
+          </a:fillRef>
+          <a:effectRef idx="0">
+            <a:schemeClr val="accent1"/>
+          </a:effectRef>
+          <a:fontRef idx="minor">
+            <a:schemeClr val="lt1"/>
+          </a:fontRef>
+        </p:style>
+        <p:txBody>
+          <a:bodyPr rtlCol="0" anchor="ctr"/>
+          <a:lstStyle>
+            <a:defPPr>
+              <a:defRPr lang="en-US"/>
+            </a:defPPr>
+            <a:lvl1pPr marL="0" algn="l" defTabSz="914400" rtl="0" eaLnBrk="1" latinLnBrk="0" hangingPunct="1">
+              <a:defRPr sz="1800" kern="1200">
+                <a:solidFill>
+                  <a:schemeClr val="lt1"/>
+                </a:solidFill>
+                <a:latin typeface="+mn-lt"/>
+                <a:ea typeface="+mn-ea"/>
+                <a:cs typeface="+mn-cs"/>
+              </a:defRPr>
+            </a:lvl1pPr>
+            <a:lvl2pPr marL="457200" algn="l" defTabSz="914400" rtl="0" eaLnBrk="1" latinLnBrk="0" hangingPunct="1">
+              <a:defRPr sz="1800" kern="1200">
+                <a:solidFill>
+                  <a:schemeClr val="lt1"/>
+                </a:solidFill>
+                <a:latin typeface="+mn-lt"/>
+                <a:ea typeface="+mn-ea"/>
+                <a:cs typeface="+mn-cs"/>
+              </a:defRPr>
+            </a:lvl2pPr>
+            <a:lvl3pPr marL="914400" algn="l" defTabSz="914400" rtl="0" eaLnBrk="1" latinLnBrk="0" hangingPunct="1">
+              <a:defRPr sz="1800" kern="1200">
+                <a:solidFill>
+                  <a:schemeClr val="lt1"/>
+                </a:solidFill>
+                <a:latin typeface="+mn-lt"/>
+                <a:ea typeface="+mn-ea"/>
+                <a:cs typeface="+mn-cs"/>
+              </a:defRPr>
+            </a:lvl3pPr>
+            <a:lvl4pPr marL="1371600" algn="l" defTabSz="914400" rtl="0" eaLnBrk="1" latinLnBrk="0" hangingPunct="1">
+              <a:defRPr sz="1800" kern="1200">
+                <a:solidFill>
+                  <a:schemeClr val="lt1"/>
+                </a:solidFill>
+                <a:latin typeface="+mn-lt"/>
+                <a:ea typeface="+mn-ea"/>
+                <a:cs typeface="+mn-cs"/>
+              </a:defRPr>
+            </a:lvl4pPr>
+            <a:lvl5pPr marL="1828800" algn="l" defTabSz="914400" rtl="0" eaLnBrk="1" latinLnBrk="0" hangingPunct="1">
+              <a:defRPr sz="1800" kern="1200">
+                <a:solidFill>
+                  <a:schemeClr val="lt1"/>
+                </a:solidFill>
+                <a:latin typeface="+mn-lt"/>
+                <a:ea typeface="+mn-ea"/>
+                <a:cs typeface="+mn-cs"/>
+              </a:defRPr>
+            </a:lvl5pPr>
+            <a:lvl6pPr marL="2286000" algn="l" defTabSz="914400" rtl="0" eaLnBrk="1" latinLnBrk="0" hangingPunct="1">
+              <a:defRPr sz="1800" kern="1200">
+                <a:solidFill>
+                  <a:schemeClr val="lt1"/>
+                </a:solidFill>
+                <a:latin typeface="+mn-lt"/>
+                <a:ea typeface="+mn-ea"/>
+                <a:cs typeface="+mn-cs"/>
+              </a:defRPr>
+            </a:lvl6pPr>
+            <a:lvl7pPr marL="2743200" algn="l" defTabSz="914400" rtl="0" eaLnBrk="1" latinLnBrk="0" hangingPunct="1">
+              <a:defRPr sz="1800" kern="1200">
+                <a:solidFill>
+                  <a:schemeClr val="lt1"/>
+                </a:solidFill>
+                <a:latin typeface="+mn-lt"/>
+                <a:ea typeface="+mn-ea"/>
+                <a:cs typeface="+mn-cs"/>
+              </a:defRPr>
+            </a:lvl7pPr>
+            <a:lvl8pPr marL="3200400" algn="l" defTabSz="914400" rtl="0" eaLnBrk="1" latinLnBrk="0" hangingPunct="1">
+              <a:defRPr sz="1800" kern="1200">
+                <a:solidFill>
+                  <a:schemeClr val="lt1"/>
+                </a:solidFill>
+                <a:latin typeface="+mn-lt"/>
+                <a:ea typeface="+mn-ea"/>
+                <a:cs typeface="+mn-cs"/>
+              </a:defRPr>
+            </a:lvl8pPr>
+            <a:lvl9pPr marL="3657600" algn="l" defTabSz="914400" rtl="0" eaLnBrk="1" latinLnBrk="0" hangingPunct="1">
+              <a:defRPr sz="1800" kern="1200">
+                <a:solidFill>
+                  <a:schemeClr val="lt1"/>
+                </a:solidFill>
+                <a:latin typeface="+mn-lt"/>
+                <a:ea typeface="+mn-ea"/>
+                <a:cs typeface="+mn-cs"/>
+              </a:defRPr>
+            </a:lvl9pPr>
+          </a:lstStyle>
+          <a:p>
+            <a:pPr algn="ctr"/>
+            <a:r>
+              <a:rPr lang="en-US" sz="1100" b="1" dirty="0"/>
+              <a:t>Word Standardizing</a:t>
+            </a:r>
+            <a:br>
+              <a:rPr lang="en-US" sz="1100" b="1" dirty="0"/>
+            </a:br>
+            <a:r>
+              <a:rPr lang="en-US" sz="1100" b="1" dirty="0"/>
+              <a:t>(Lemmatizing)</a:t>
+            </a:r>
+          </a:p>
+        </p:txBody>
+      </p:sp>
+      <p:sp>
+        <p:nvSpPr>
+          <p:cNvPr id="33" name="Rechteck 32">
+            <a:extLst>
+              <a:ext uri="{FF2B5EF4-FFF2-40B4-BE49-F238E27FC236}">
+                <a16:creationId xmlns:a16="http://schemas.microsoft.com/office/drawing/2014/main" id="{E2CBB4D6-40BA-8E45-DB78-F1006464CE50}"/>
+              </a:ext>
+            </a:extLst>
+          </p:cNvPr>
+          <p:cNvSpPr/>
+          <p:nvPr/>
+        </p:nvSpPr>
+        <p:spPr>
+          <a:xfrm>
+            <a:off x="5954320" y="5346748"/>
+            <a:ext cx="2110158" cy="370575"/>
+          </a:xfrm>
+          <a:prstGeom prst="rect">
+            <a:avLst/>
+          </a:prstGeom>
+          <a:solidFill>
+            <a:srgbClr val="44546A"/>
+          </a:solidFill>
+          <a:ln>
+            <a:noFill/>
+          </a:ln>
+        </p:spPr>
+        <p:style>
+          <a:lnRef idx="2">
+            <a:schemeClr val="accent1">
+              <a:shade val="50000"/>
+            </a:schemeClr>
+          </a:lnRef>
+          <a:fillRef idx="1">
+            <a:schemeClr val="accent1"/>
+          </a:fillRef>
+          <a:effectRef idx="0">
+            <a:schemeClr val="accent1"/>
+          </a:effectRef>
+          <a:fontRef idx="minor">
+            <a:schemeClr val="lt1"/>
+          </a:fontRef>
+        </p:style>
+        <p:txBody>
+          <a:bodyPr rtlCol="0" anchor="ctr"/>
+          <a:lstStyle>
+            <a:defPPr>
+              <a:defRPr lang="en-US"/>
+            </a:defPPr>
+            <a:lvl1pPr marL="0" algn="l" defTabSz="914400" rtl="0" eaLnBrk="1" latinLnBrk="0" hangingPunct="1">
+              <a:defRPr sz="1800" kern="1200">
+                <a:solidFill>
+                  <a:schemeClr val="lt1"/>
+                </a:solidFill>
+                <a:latin typeface="+mn-lt"/>
+                <a:ea typeface="+mn-ea"/>
+                <a:cs typeface="+mn-cs"/>
+              </a:defRPr>
+            </a:lvl1pPr>
+            <a:lvl2pPr marL="457200" algn="l" defTabSz="914400" rtl="0" eaLnBrk="1" latinLnBrk="0" hangingPunct="1">
+              <a:defRPr sz="1800" kern="1200">
+                <a:solidFill>
+                  <a:schemeClr val="lt1"/>
+                </a:solidFill>
+                <a:latin typeface="+mn-lt"/>
+                <a:ea typeface="+mn-ea"/>
+                <a:cs typeface="+mn-cs"/>
+              </a:defRPr>
+            </a:lvl2pPr>
+            <a:lvl3pPr marL="914400" algn="l" defTabSz="914400" rtl="0" eaLnBrk="1" latinLnBrk="0" hangingPunct="1">
+              <a:defRPr sz="1800" kern="1200">
+                <a:solidFill>
+                  <a:schemeClr val="lt1"/>
+                </a:solidFill>
+                <a:latin typeface="+mn-lt"/>
+                <a:ea typeface="+mn-ea"/>
+                <a:cs typeface="+mn-cs"/>
+              </a:defRPr>
+            </a:lvl3pPr>
+            <a:lvl4pPr marL="1371600" algn="l" defTabSz="914400" rtl="0" eaLnBrk="1" latinLnBrk="0" hangingPunct="1">
+              <a:defRPr sz="1800" kern="1200">
+                <a:solidFill>
+                  <a:schemeClr val="lt1"/>
+                </a:solidFill>
+                <a:latin typeface="+mn-lt"/>
+                <a:ea typeface="+mn-ea"/>
+                <a:cs typeface="+mn-cs"/>
+              </a:defRPr>
+            </a:lvl4pPr>
+            <a:lvl5pPr marL="1828800" algn="l" defTabSz="914400" rtl="0" eaLnBrk="1" latinLnBrk="0" hangingPunct="1">
+              <a:defRPr sz="1800" kern="1200">
+                <a:solidFill>
+                  <a:schemeClr val="lt1"/>
+                </a:solidFill>
+                <a:latin typeface="+mn-lt"/>
+                <a:ea typeface="+mn-ea"/>
+                <a:cs typeface="+mn-cs"/>
+              </a:defRPr>
+            </a:lvl5pPr>
+            <a:lvl6pPr marL="2286000" algn="l" defTabSz="914400" rtl="0" eaLnBrk="1" latinLnBrk="0" hangingPunct="1">
+              <a:defRPr sz="1800" kern="1200">
+                <a:solidFill>
+                  <a:schemeClr val="lt1"/>
+                </a:solidFill>
+                <a:latin typeface="+mn-lt"/>
+                <a:ea typeface="+mn-ea"/>
+                <a:cs typeface="+mn-cs"/>
+              </a:defRPr>
+            </a:lvl6pPr>
+            <a:lvl7pPr marL="2743200" algn="l" defTabSz="914400" rtl="0" eaLnBrk="1" latinLnBrk="0" hangingPunct="1">
+              <a:defRPr sz="1800" kern="1200">
+                <a:solidFill>
+                  <a:schemeClr val="lt1"/>
+                </a:solidFill>
+                <a:latin typeface="+mn-lt"/>
+                <a:ea typeface="+mn-ea"/>
+                <a:cs typeface="+mn-cs"/>
+              </a:defRPr>
+            </a:lvl7pPr>
+            <a:lvl8pPr marL="3200400" algn="l" defTabSz="914400" rtl="0" eaLnBrk="1" latinLnBrk="0" hangingPunct="1">
+              <a:defRPr sz="1800" kern="1200">
+                <a:solidFill>
+                  <a:schemeClr val="lt1"/>
+                </a:solidFill>
+                <a:latin typeface="+mn-lt"/>
+                <a:ea typeface="+mn-ea"/>
+                <a:cs typeface="+mn-cs"/>
+              </a:defRPr>
+            </a:lvl8pPr>
+            <a:lvl9pPr marL="3657600" algn="l" defTabSz="914400" rtl="0" eaLnBrk="1" latinLnBrk="0" hangingPunct="1">
+              <a:defRPr sz="1800" kern="1200">
+                <a:solidFill>
+                  <a:schemeClr val="lt1"/>
+                </a:solidFill>
+                <a:latin typeface="+mn-lt"/>
+                <a:ea typeface="+mn-ea"/>
+                <a:cs typeface="+mn-cs"/>
+              </a:defRPr>
+            </a:lvl9pPr>
+          </a:lstStyle>
+          <a:p>
+            <a:pPr algn="ctr"/>
+            <a:r>
+              <a:rPr lang="en-US" sz="1100" b="1" dirty="0"/>
+              <a:t>Assign Word Types</a:t>
+            </a:r>
+          </a:p>
+        </p:txBody>
+      </p:sp>
+      <p:sp>
+        <p:nvSpPr>
+          <p:cNvPr id="40" name="Textfeld 39">
+            <a:extLst>
+              <a:ext uri="{FF2B5EF4-FFF2-40B4-BE49-F238E27FC236}">
+                <a16:creationId xmlns:a16="http://schemas.microsoft.com/office/drawing/2014/main" id="{B3E1167F-9CA0-03E6-81AD-5F2CB86E8FCB}"/>
+              </a:ext>
+            </a:extLst>
+          </p:cNvPr>
+          <p:cNvSpPr txBox="1"/>
+          <p:nvPr/>
+        </p:nvSpPr>
+        <p:spPr>
+          <a:xfrm>
+            <a:off x="6942724" y="2907762"/>
+            <a:ext cx="133350" cy="180975"/>
+          </a:xfrm>
+          <a:prstGeom prst="rect">
+            <a:avLst/>
+          </a:prstGeom>
+          <a:noFill/>
+        </p:spPr>
+        <p:txBody>
+          <a:bodyPr wrap="none" lIns="0" tIns="0" rIns="0" bIns="0" rtlCol="0">
+            <a:noAutofit/>
+          </a:bodyPr>
+          <a:lstStyle/>
+          <a:p>
+            <a:pPr algn="l">
+              <a:lnSpc>
+                <a:spcPct val="110000"/>
+              </a:lnSpc>
+              <a:spcAft>
+                <a:spcPts val="1000"/>
+              </a:spcAft>
+            </a:pPr>
+            <a:r>
+              <a:rPr lang="de-DE" sz="1400" b="1" dirty="0">
+                <a:solidFill>
+                  <a:schemeClr val="tx2">
+                    <a:lumMod val="75000"/>
+                  </a:schemeClr>
+                </a:solidFill>
+              </a:rPr>
+              <a:t>+</a:t>
+            </a:r>
+          </a:p>
+        </p:txBody>
+      </p:sp>
+      <p:sp>
+        <p:nvSpPr>
+          <p:cNvPr id="41" name="Textfeld 40">
+            <a:extLst>
+              <a:ext uri="{FF2B5EF4-FFF2-40B4-BE49-F238E27FC236}">
+                <a16:creationId xmlns:a16="http://schemas.microsoft.com/office/drawing/2014/main" id="{08A10153-1C5D-0879-67E7-68BFB3DDEC52}"/>
+              </a:ext>
+            </a:extLst>
+          </p:cNvPr>
+          <p:cNvSpPr txBox="1"/>
+          <p:nvPr/>
+        </p:nvSpPr>
+        <p:spPr>
+          <a:xfrm>
+            <a:off x="6943628" y="3487769"/>
+            <a:ext cx="133350" cy="180975"/>
+          </a:xfrm>
+          <a:prstGeom prst="rect">
+            <a:avLst/>
+          </a:prstGeom>
+          <a:noFill/>
+        </p:spPr>
+        <p:txBody>
+          <a:bodyPr wrap="none" lIns="0" tIns="0" rIns="0" bIns="0" rtlCol="0">
+            <a:noAutofit/>
+          </a:bodyPr>
+          <a:lstStyle/>
+          <a:p>
+            <a:pPr algn="l">
+              <a:lnSpc>
+                <a:spcPct val="110000"/>
+              </a:lnSpc>
+              <a:spcAft>
+                <a:spcPts val="1000"/>
+              </a:spcAft>
+            </a:pPr>
+            <a:r>
+              <a:rPr lang="de-DE" sz="1400" b="1" dirty="0">
+                <a:solidFill>
+                  <a:schemeClr val="tx2">
+                    <a:lumMod val="75000"/>
+                  </a:schemeClr>
+                </a:solidFill>
+              </a:rPr>
+              <a:t>+</a:t>
+            </a:r>
+          </a:p>
+        </p:txBody>
+      </p:sp>
+      <p:sp>
+        <p:nvSpPr>
+          <p:cNvPr id="42" name="Textfeld 41">
+            <a:extLst>
+              <a:ext uri="{FF2B5EF4-FFF2-40B4-BE49-F238E27FC236}">
+                <a16:creationId xmlns:a16="http://schemas.microsoft.com/office/drawing/2014/main" id="{5BB8B530-73C0-1331-4F58-3FBB4CD68BA0}"/>
+              </a:ext>
+            </a:extLst>
+          </p:cNvPr>
+          <p:cNvSpPr txBox="1"/>
+          <p:nvPr/>
+        </p:nvSpPr>
+        <p:spPr>
+          <a:xfrm>
+            <a:off x="6943628" y="4027054"/>
+            <a:ext cx="133350" cy="180975"/>
+          </a:xfrm>
+          <a:prstGeom prst="rect">
+            <a:avLst/>
+          </a:prstGeom>
+          <a:noFill/>
+        </p:spPr>
+        <p:txBody>
+          <a:bodyPr wrap="none" lIns="0" tIns="0" rIns="0" bIns="0" rtlCol="0">
+            <a:noAutofit/>
+          </a:bodyPr>
+          <a:lstStyle/>
+          <a:p>
+            <a:pPr algn="l">
+              <a:lnSpc>
+                <a:spcPct val="110000"/>
+              </a:lnSpc>
+              <a:spcAft>
+                <a:spcPts val="1000"/>
+              </a:spcAft>
+            </a:pPr>
+            <a:r>
+              <a:rPr lang="de-DE" sz="1400" b="1" dirty="0">
+                <a:solidFill>
+                  <a:schemeClr val="tx2">
+                    <a:lumMod val="75000"/>
+                  </a:schemeClr>
+                </a:solidFill>
+              </a:rPr>
+              <a:t>+</a:t>
+            </a:r>
+          </a:p>
+        </p:txBody>
+      </p:sp>
+      <p:sp>
+        <p:nvSpPr>
+          <p:cNvPr id="43" name="Textfeld 42">
+            <a:extLst>
+              <a:ext uri="{FF2B5EF4-FFF2-40B4-BE49-F238E27FC236}">
+                <a16:creationId xmlns:a16="http://schemas.microsoft.com/office/drawing/2014/main" id="{0BE4F75C-13BB-C002-30BC-95428B562F11}"/>
+              </a:ext>
+            </a:extLst>
+          </p:cNvPr>
+          <p:cNvSpPr txBox="1"/>
+          <p:nvPr/>
+        </p:nvSpPr>
+        <p:spPr>
+          <a:xfrm>
+            <a:off x="6943628" y="4597354"/>
+            <a:ext cx="133350" cy="180975"/>
+          </a:xfrm>
+          <a:prstGeom prst="rect">
+            <a:avLst/>
+          </a:prstGeom>
+          <a:noFill/>
+        </p:spPr>
+        <p:txBody>
+          <a:bodyPr wrap="none" lIns="0" tIns="0" rIns="0" bIns="0" rtlCol="0">
+            <a:noAutofit/>
+          </a:bodyPr>
+          <a:lstStyle/>
+          <a:p>
+            <a:pPr algn="l">
+              <a:lnSpc>
+                <a:spcPct val="110000"/>
+              </a:lnSpc>
+              <a:spcAft>
+                <a:spcPts val="1000"/>
+              </a:spcAft>
+            </a:pPr>
+            <a:r>
+              <a:rPr lang="de-DE" sz="1400" b="1" dirty="0">
+                <a:solidFill>
+                  <a:schemeClr val="tx2">
+                    <a:lumMod val="75000"/>
+                  </a:schemeClr>
+                </a:solidFill>
+              </a:rPr>
+              <a:t>+</a:t>
+            </a:r>
+          </a:p>
+        </p:txBody>
+      </p:sp>
+      <p:sp>
+        <p:nvSpPr>
+          <p:cNvPr id="44" name="Textfeld 43">
+            <a:extLst>
+              <a:ext uri="{FF2B5EF4-FFF2-40B4-BE49-F238E27FC236}">
+                <a16:creationId xmlns:a16="http://schemas.microsoft.com/office/drawing/2014/main" id="{21CDC970-FFE9-FF95-5870-AE385EC92153}"/>
+              </a:ext>
+            </a:extLst>
+          </p:cNvPr>
+          <p:cNvSpPr txBox="1"/>
+          <p:nvPr/>
+        </p:nvSpPr>
+        <p:spPr>
+          <a:xfrm>
+            <a:off x="6943628" y="5136639"/>
+            <a:ext cx="133350" cy="180975"/>
+          </a:xfrm>
+          <a:prstGeom prst="rect">
+            <a:avLst/>
+          </a:prstGeom>
+          <a:noFill/>
+        </p:spPr>
+        <p:txBody>
+          <a:bodyPr wrap="none" lIns="0" tIns="0" rIns="0" bIns="0" rtlCol="0">
+            <a:noAutofit/>
+          </a:bodyPr>
+          <a:lstStyle/>
+          <a:p>
+            <a:pPr algn="l">
+              <a:lnSpc>
+                <a:spcPct val="110000"/>
+              </a:lnSpc>
+              <a:spcAft>
+                <a:spcPts val="1000"/>
+              </a:spcAft>
+            </a:pPr>
+            <a:r>
+              <a:rPr lang="de-DE" sz="1400" b="1" dirty="0">
+                <a:solidFill>
+                  <a:schemeClr val="tx2">
+                    <a:lumMod val="75000"/>
+                  </a:schemeClr>
+                </a:solidFill>
+              </a:rPr>
+              <a:t>+</a:t>
+            </a:r>
+          </a:p>
+        </p:txBody>
+      </p:sp>
+    </p:spTree>
+    <p:extLst>
+      <p:ext uri="{BB962C8B-B14F-4D97-AF65-F5344CB8AC3E}">
+        <p14:creationId xmlns:p14="http://schemas.microsoft.com/office/powerpoint/2010/main" val="1045729354"/>
+      </p:ext>
+    </p:extLst>
+  </p:cSld>
+  <p:clrMapOvr>
+    <a:masterClrMapping/>
+  </p:clrMapOvr>
+  <mc:AlternateContent xmlns:mc="http://schemas.openxmlformats.org/markup-compatibility/2006">
+    <mc:Choice xmlns:p14="http://schemas.microsoft.com/office/powerpoint/2010/main" Requires="p14">
+      <p:transition p14:dur="10"/>
+    </mc:Choice>
+    <mc:Fallback>
+      <p:transition/>
+    </mc:Fallback>
+  </mc:AlternateContent>
+  <p:timing>
+    <p:tnLst>
+      <p:par>
+        <p:cTn id="1" dur="indefinite" restart="never" nodeType="tmRoot">
+          <p:childTnLst>
+            <p:seq concurrent="1" nextAc="seek">
+              <p:cTn id="2" dur="indefinite" nodeType="mainSeq">
+                <p:childTnLst>
+                  <p:par>
+                    <p:cTn id="3" fill="hold">
+                      <p:stCondLst>
+                        <p:cond delay="indefinite"/>
+                      </p:stCondLst>
+                      <p:childTnLst>
+                        <p:par>
+                          <p:cTn id="4" fill="hold">
+                            <p:stCondLst>
+                              <p:cond delay="0"/>
+                            </p:stCondLst>
+                            <p:childTnLst>
+                              <p:par>
+                                <p:cTn id="5" presetID="1" presetClass="entr" presetSubtype="0" fill="hold" grpId="0" nodeType="clickEffect">
+                                  <p:stCondLst>
+                                    <p:cond delay="0"/>
+                                  </p:stCondLst>
+                                  <p:childTnLst>
+                                    <p:set>
+                                      <p:cBhvr>
+                                        <p:cTn id="6" dur="1" fill="hold">
+                                          <p:stCondLst>
+                                            <p:cond delay="0"/>
+                                          </p:stCondLst>
+                                        </p:cTn>
+                                        <p:tgtEl>
+                                          <p:spTgt spid="17"/>
+                                        </p:tgtEl>
+                                        <p:attrNameLst>
+                                          <p:attrName>style.visibility</p:attrName>
+                                        </p:attrNameLst>
+                                      </p:cBhvr>
+                                      <p:to>
+                                        <p:strVal val="visible"/>
+                                      </p:to>
+                                    </p:set>
+                                  </p:childTnLst>
+                                </p:cTn>
+                              </p:par>
+                              <p:par>
+                                <p:cTn id="7" presetID="1" presetClass="entr" presetSubtype="0" fill="hold" nodeType="withEffect">
+                                  <p:stCondLst>
+                                    <p:cond delay="0"/>
+                                  </p:stCondLst>
+                                  <p:childTnLst>
+                                    <p:set>
+                                      <p:cBhvr>
+                                        <p:cTn id="8" dur="1" fill="hold">
+                                          <p:stCondLst>
+                                            <p:cond delay="0"/>
+                                          </p:stCondLst>
+                                        </p:cTn>
+                                        <p:tgtEl>
+                                          <p:spTgt spid="18"/>
+                                        </p:tgtEl>
+                                        <p:attrNameLst>
+                                          <p:attrName>style.visibility</p:attrName>
+                                        </p:attrNameLst>
+                                      </p:cBhvr>
+                                      <p:to>
+                                        <p:strVal val="visible"/>
+                                      </p:to>
+                                    </p:set>
+                                  </p:childTnLst>
+                                </p:cTn>
+                              </p:par>
+                            </p:childTnLst>
+                          </p:cTn>
+                        </p:par>
+                      </p:childTnLst>
+                    </p:cTn>
+                  </p:par>
+                  <p:par>
+                    <p:cTn id="9" fill="hold">
+                      <p:stCondLst>
+                        <p:cond delay="indefinite"/>
+                      </p:stCondLst>
+                      <p:childTnLst>
+                        <p:par>
+                          <p:cTn id="10" fill="hold">
+                            <p:stCondLst>
+                              <p:cond delay="0"/>
+                            </p:stCondLst>
+                            <p:childTnLst>
+                              <p:par>
+                                <p:cTn id="11" presetID="1" presetClass="entr" presetSubtype="0" fill="hold" grpId="0" nodeType="clickEffect">
+                                  <p:stCondLst>
+                                    <p:cond delay="0"/>
+                                  </p:stCondLst>
+                                  <p:childTnLst>
+                                    <p:set>
+                                      <p:cBhvr>
+                                        <p:cTn id="12" dur="1" fill="hold">
+                                          <p:stCondLst>
+                                            <p:cond delay="0"/>
+                                          </p:stCondLst>
+                                        </p:cTn>
+                                        <p:tgtEl>
+                                          <p:spTgt spid="19"/>
+                                        </p:tgtEl>
+                                        <p:attrNameLst>
+                                          <p:attrName>style.visibility</p:attrName>
+                                        </p:attrNameLst>
+                                      </p:cBhvr>
+                                      <p:to>
+                                        <p:strVal val="visible"/>
+                                      </p:to>
+                                    </p:set>
+                                  </p:childTnLst>
+                                </p:cTn>
+                              </p:par>
+                              <p:par>
+                                <p:cTn id="13" presetID="1" presetClass="entr" presetSubtype="0" fill="hold" nodeType="withEffect">
+                                  <p:stCondLst>
+                                    <p:cond delay="0"/>
+                                  </p:stCondLst>
+                                  <p:childTnLst>
+                                    <p:set>
+                                      <p:cBhvr>
+                                        <p:cTn id="14" dur="1" fill="hold">
+                                          <p:stCondLst>
+                                            <p:cond delay="0"/>
+                                          </p:stCondLst>
+                                        </p:cTn>
+                                        <p:tgtEl>
+                                          <p:spTgt spid="20"/>
+                                        </p:tgtEl>
+                                        <p:attrNameLst>
+                                          <p:attrName>style.visibility</p:attrName>
+                                        </p:attrNameLst>
+                                      </p:cBhvr>
+                                      <p:to>
+                                        <p:strVal val="visible"/>
+                                      </p:to>
+                                    </p:set>
+                                  </p:childTnLst>
+                                </p:cTn>
+                              </p:par>
+                            </p:childTnLst>
+                          </p:cTn>
+                        </p:par>
+                      </p:childTnLst>
+                    </p:cTn>
+                  </p:par>
+                  <p:par>
+                    <p:cTn id="15" fill="hold">
+                      <p:stCondLst>
+                        <p:cond delay="indefinite"/>
+                      </p:stCondLst>
+                      <p:childTnLst>
+                        <p:par>
+                          <p:cTn id="16" fill="hold">
+                            <p:stCondLst>
+                              <p:cond delay="0"/>
+                            </p:stCondLst>
+                            <p:childTnLst>
+                              <p:par>
+                                <p:cTn id="17" presetID="1" presetClass="entr" presetSubtype="0" fill="hold" grpId="0" nodeType="clickEffect">
+                                  <p:stCondLst>
+                                    <p:cond delay="0"/>
+                                  </p:stCondLst>
+                                  <p:childTnLst>
+                                    <p:set>
+                                      <p:cBhvr>
+                                        <p:cTn id="18" dur="1" fill="hold">
+                                          <p:stCondLst>
+                                            <p:cond delay="0"/>
+                                          </p:stCondLst>
+                                        </p:cTn>
+                                        <p:tgtEl>
+                                          <p:spTgt spid="22"/>
+                                        </p:tgtEl>
+                                        <p:attrNameLst>
+                                          <p:attrName>style.visibility</p:attrName>
+                                        </p:attrNameLst>
+                                      </p:cBhvr>
+                                      <p:to>
+                                        <p:strVal val="visible"/>
+                                      </p:to>
+                                    </p:set>
+                                  </p:childTnLst>
+                                </p:cTn>
+                              </p:par>
+                            </p:childTnLst>
+                          </p:cTn>
+                        </p:par>
+                      </p:childTnLst>
+                    </p:cTn>
+                  </p:par>
+                  <p:par>
+                    <p:cTn id="19" fill="hold">
+                      <p:stCondLst>
+                        <p:cond delay="indefinite"/>
+                      </p:stCondLst>
+                      <p:childTnLst>
+                        <p:par>
+                          <p:cTn id="20" fill="hold">
+                            <p:stCondLst>
+                              <p:cond delay="0"/>
+                            </p:stCondLst>
+                            <p:childTnLst>
+                              <p:par>
+                                <p:cTn id="21" presetID="1" presetClass="entr" presetSubtype="0" fill="hold" grpId="0" nodeType="clickEffect">
+                                  <p:stCondLst>
+                                    <p:cond delay="0"/>
+                                  </p:stCondLst>
+                                  <p:childTnLst>
+                                    <p:set>
+                                      <p:cBhvr>
+                                        <p:cTn id="22" dur="1" fill="hold">
+                                          <p:stCondLst>
+                                            <p:cond delay="0"/>
+                                          </p:stCondLst>
+                                        </p:cTn>
+                                        <p:tgtEl>
+                                          <p:spTgt spid="23"/>
+                                        </p:tgtEl>
+                                        <p:attrNameLst>
+                                          <p:attrName>style.visibility</p:attrName>
+                                        </p:attrNameLst>
+                                      </p:cBhvr>
+                                      <p:to>
+                                        <p:strVal val="visible"/>
+                                      </p:to>
+                                    </p:set>
+                                  </p:childTnLst>
+                                </p:cTn>
+                              </p:par>
+                              <p:par>
+                                <p:cTn id="23" presetID="1" presetClass="entr" presetSubtype="0" fill="hold" nodeType="withEffect">
+                                  <p:stCondLst>
+                                    <p:cond delay="0"/>
+                                  </p:stCondLst>
+                                  <p:childTnLst>
+                                    <p:set>
+                                      <p:cBhvr>
+                                        <p:cTn id="24" dur="1" fill="hold">
+                                          <p:stCondLst>
+                                            <p:cond delay="0"/>
+                                          </p:stCondLst>
+                                        </p:cTn>
+                                        <p:tgtEl>
+                                          <p:spTgt spid="24"/>
+                                        </p:tgtEl>
+                                        <p:attrNameLst>
+                                          <p:attrName>style.visibility</p:attrName>
+                                        </p:attrNameLst>
+                                      </p:cBhvr>
+                                      <p:to>
+                                        <p:strVal val="visible"/>
+                                      </p:to>
+                                    </p:set>
+                                  </p:childTnLst>
+                                </p:cTn>
+                              </p:par>
+                            </p:childTnLst>
+                          </p:cTn>
+                        </p:par>
+                      </p:childTnLst>
+                    </p:cTn>
+                  </p:par>
+                  <p:par>
+                    <p:cTn id="25" fill="hold">
+                      <p:stCondLst>
+                        <p:cond delay="indefinite"/>
+                      </p:stCondLst>
+                      <p:childTnLst>
+                        <p:par>
+                          <p:cTn id="26" fill="hold">
+                            <p:stCondLst>
+                              <p:cond delay="0"/>
+                            </p:stCondLst>
+                            <p:childTnLst>
+                              <p:par>
+                                <p:cTn id="27" presetID="1" presetClass="entr" presetSubtype="0" fill="hold" grpId="0" nodeType="clickEffect">
+                                  <p:stCondLst>
+                                    <p:cond delay="0"/>
+                                  </p:stCondLst>
+                                  <p:childTnLst>
+                                    <p:set>
+                                      <p:cBhvr>
+                                        <p:cTn id="28" dur="1" fill="hold">
+                                          <p:stCondLst>
+                                            <p:cond delay="0"/>
+                                          </p:stCondLst>
+                                        </p:cTn>
+                                        <p:tgtEl>
+                                          <p:spTgt spid="25"/>
+                                        </p:tgtEl>
+                                        <p:attrNameLst>
+                                          <p:attrName>style.visibility</p:attrName>
+                                        </p:attrNameLst>
+                                      </p:cBhvr>
+                                      <p:to>
+                                        <p:strVal val="visible"/>
+                                      </p:to>
+                                    </p:set>
+                                  </p:childTnLst>
+                                </p:cTn>
+                              </p:par>
+                              <p:par>
+                                <p:cTn id="29" presetID="1" presetClass="entr" presetSubtype="0" fill="hold" nodeType="withEffect">
+                                  <p:stCondLst>
+                                    <p:cond delay="0"/>
+                                  </p:stCondLst>
+                                  <p:childTnLst>
+                                    <p:set>
+                                      <p:cBhvr>
+                                        <p:cTn id="30" dur="1" fill="hold">
+                                          <p:stCondLst>
+                                            <p:cond delay="0"/>
+                                          </p:stCondLst>
+                                        </p:cTn>
+                                        <p:tgtEl>
+                                          <p:spTgt spid="26"/>
+                                        </p:tgtEl>
+                                        <p:attrNameLst>
+                                          <p:attrName>style.visibility</p:attrName>
+                                        </p:attrNameLst>
+                                      </p:cBhvr>
+                                      <p:to>
+                                        <p:strVal val="visible"/>
+                                      </p:to>
+                                    </p:set>
+                                  </p:childTnLst>
+                                </p:cTn>
+                              </p:par>
+                            </p:childTnLst>
+                          </p:cTn>
+                        </p:par>
+                      </p:childTnLst>
+                    </p:cTn>
+                  </p:par>
+                  <p:par>
+                    <p:cTn id="31" fill="hold">
+                      <p:stCondLst>
+                        <p:cond delay="indefinite"/>
+                      </p:stCondLst>
+                      <p:childTnLst>
+                        <p:par>
+                          <p:cTn id="32" fill="hold">
+                            <p:stCondLst>
+                              <p:cond delay="0"/>
+                            </p:stCondLst>
+                            <p:childTnLst>
+                              <p:par>
+                                <p:cTn id="33" presetID="1" presetClass="entr" presetSubtype="0" fill="hold" grpId="0" nodeType="clickEffect">
+                                  <p:stCondLst>
+                                    <p:cond delay="0"/>
+                                  </p:stCondLst>
+                                  <p:childTnLst>
+                                    <p:set>
+                                      <p:cBhvr>
+                                        <p:cTn id="34" dur="1" fill="hold">
+                                          <p:stCondLst>
+                                            <p:cond delay="0"/>
+                                          </p:stCondLst>
+                                        </p:cTn>
+                                        <p:tgtEl>
+                                          <p:spTgt spid="28"/>
+                                        </p:tgtEl>
+                                        <p:attrNameLst>
+                                          <p:attrName>style.visibility</p:attrName>
+                                        </p:attrNameLst>
+                                      </p:cBhvr>
+                                      <p:to>
+                                        <p:strVal val="visible"/>
+                                      </p:to>
+                                    </p:set>
+                                  </p:childTnLst>
+                                </p:cTn>
+                              </p:par>
+                            </p:childTnLst>
+                          </p:cTn>
+                        </p:par>
+                      </p:childTnLst>
+                    </p:cTn>
+                  </p:par>
+                  <p:par>
+                    <p:cTn id="35" fill="hold">
+                      <p:stCondLst>
+                        <p:cond delay="indefinite"/>
+                      </p:stCondLst>
+                      <p:childTnLst>
+                        <p:par>
+                          <p:cTn id="36" fill="hold">
+                            <p:stCondLst>
+                              <p:cond delay="0"/>
+                            </p:stCondLst>
+                            <p:childTnLst>
+                              <p:par>
+                                <p:cTn id="37" presetID="1" presetClass="entr" presetSubtype="0" fill="hold" grpId="0" nodeType="clickEffect">
+                                  <p:stCondLst>
+                                    <p:cond delay="0"/>
+                                  </p:stCondLst>
+                                  <p:childTnLst>
+                                    <p:set>
+                                      <p:cBhvr>
+                                        <p:cTn id="38" dur="1" fill="hold">
+                                          <p:stCondLst>
+                                            <p:cond delay="0"/>
+                                          </p:stCondLst>
+                                        </p:cTn>
+                                        <p:tgtEl>
+                                          <p:spTgt spid="29"/>
+                                        </p:tgtEl>
+                                        <p:attrNameLst>
+                                          <p:attrName>style.visibility</p:attrName>
+                                        </p:attrNameLst>
+                                      </p:cBhvr>
+                                      <p:to>
+                                        <p:strVal val="visible"/>
+                                      </p:to>
+                                    </p:set>
+                                  </p:childTnLst>
+                                </p:cTn>
+                              </p:par>
+                            </p:childTnLst>
+                          </p:cTn>
+                        </p:par>
+                      </p:childTnLst>
+                    </p:cTn>
+                  </p:par>
+                  <p:par>
+                    <p:cTn id="39" fill="hold">
+                      <p:stCondLst>
+                        <p:cond delay="indefinite"/>
+                      </p:stCondLst>
+                      <p:childTnLst>
+                        <p:par>
+                          <p:cTn id="40" fill="hold">
+                            <p:stCondLst>
+                              <p:cond delay="0"/>
+                            </p:stCondLst>
+                            <p:childTnLst>
+                              <p:par>
+                                <p:cTn id="41" presetID="1" presetClass="entr" presetSubtype="0" fill="hold" grpId="0" nodeType="clickEffect">
+                                  <p:stCondLst>
+                                    <p:cond delay="0"/>
+                                  </p:stCondLst>
+                                  <p:childTnLst>
+                                    <p:set>
+                                      <p:cBhvr>
+                                        <p:cTn id="42" dur="1" fill="hold">
+                                          <p:stCondLst>
+                                            <p:cond delay="0"/>
+                                          </p:stCondLst>
+                                        </p:cTn>
+                                        <p:tgtEl>
+                                          <p:spTgt spid="30"/>
+                                        </p:tgtEl>
+                                        <p:attrNameLst>
+                                          <p:attrName>style.visibility</p:attrName>
+                                        </p:attrNameLst>
+                                      </p:cBhvr>
+                                      <p:to>
+                                        <p:strVal val="visible"/>
+                                      </p:to>
+                                    </p:set>
+                                  </p:childTnLst>
+                                </p:cTn>
+                              </p:par>
+                            </p:childTnLst>
+                          </p:cTn>
+                        </p:par>
+                      </p:childTnLst>
+                    </p:cTn>
+                  </p:par>
+                  <p:par>
+                    <p:cTn id="43" fill="hold">
+                      <p:stCondLst>
+                        <p:cond delay="indefinite"/>
+                      </p:stCondLst>
+                      <p:childTnLst>
+                        <p:par>
+                          <p:cTn id="44" fill="hold">
+                            <p:stCondLst>
+                              <p:cond delay="0"/>
+                            </p:stCondLst>
+                            <p:childTnLst>
+                              <p:par>
+                                <p:cTn id="45" presetID="1" presetClass="entr" presetSubtype="0" fill="hold" grpId="0" nodeType="clickEffect">
+                                  <p:stCondLst>
+                                    <p:cond delay="0"/>
+                                  </p:stCondLst>
+                                  <p:childTnLst>
+                                    <p:set>
+                                      <p:cBhvr>
+                                        <p:cTn id="46" dur="1" fill="hold">
+                                          <p:stCondLst>
+                                            <p:cond delay="0"/>
+                                          </p:stCondLst>
+                                        </p:cTn>
+                                        <p:tgtEl>
+                                          <p:spTgt spid="31"/>
+                                        </p:tgtEl>
+                                        <p:attrNameLst>
+                                          <p:attrName>style.visibility</p:attrName>
+                                        </p:attrNameLst>
+                                      </p:cBhvr>
+                                      <p:to>
+                                        <p:strVal val="visible"/>
+                                      </p:to>
+                                    </p:set>
+                                  </p:childTnLst>
+                                </p:cTn>
+                              </p:par>
+                            </p:childTnLst>
+                          </p:cTn>
+                        </p:par>
+                      </p:childTnLst>
+                    </p:cTn>
+                  </p:par>
+                  <p:par>
+                    <p:cTn id="47" fill="hold">
+                      <p:stCondLst>
+                        <p:cond delay="indefinite"/>
+                      </p:stCondLst>
+                      <p:childTnLst>
+                        <p:par>
+                          <p:cTn id="48" fill="hold">
+                            <p:stCondLst>
+                              <p:cond delay="0"/>
+                            </p:stCondLst>
+                            <p:childTnLst>
+                              <p:par>
+                                <p:cTn id="49" presetID="1" presetClass="entr" presetSubtype="0" fill="hold" grpId="0" nodeType="clickEffect">
+                                  <p:stCondLst>
+                                    <p:cond delay="0"/>
+                                  </p:stCondLst>
+                                  <p:childTnLst>
+                                    <p:set>
+                                      <p:cBhvr>
+                                        <p:cTn id="50" dur="1" fill="hold">
+                                          <p:stCondLst>
+                                            <p:cond delay="0"/>
+                                          </p:stCondLst>
+                                        </p:cTn>
+                                        <p:tgtEl>
+                                          <p:spTgt spid="32"/>
+                                        </p:tgtEl>
+                                        <p:attrNameLst>
+                                          <p:attrName>style.visibility</p:attrName>
+                                        </p:attrNameLst>
+                                      </p:cBhvr>
+                                      <p:to>
+                                        <p:strVal val="visible"/>
+                                      </p:to>
+                                    </p:set>
+                                  </p:childTnLst>
+                                </p:cTn>
+                              </p:par>
+                            </p:childTnLst>
+                          </p:cTn>
+                        </p:par>
+                      </p:childTnLst>
+                    </p:cTn>
+                  </p:par>
+                  <p:par>
+                    <p:cTn id="51" fill="hold">
+                      <p:stCondLst>
+                        <p:cond delay="indefinite"/>
+                      </p:stCondLst>
+                      <p:childTnLst>
+                        <p:par>
+                          <p:cTn id="52" fill="hold">
+                            <p:stCondLst>
+                              <p:cond delay="0"/>
+                            </p:stCondLst>
+                            <p:childTnLst>
+                              <p:par>
+                                <p:cTn id="53" presetID="1" presetClass="entr" presetSubtype="0" fill="hold" grpId="0" nodeType="clickEffect">
+                                  <p:stCondLst>
+                                    <p:cond delay="0"/>
+                                  </p:stCondLst>
+                                  <p:childTnLst>
+                                    <p:set>
+                                      <p:cBhvr>
+                                        <p:cTn id="54" dur="1" fill="hold">
+                                          <p:stCondLst>
+                                            <p:cond delay="0"/>
+                                          </p:stCondLst>
+                                        </p:cTn>
+                                        <p:tgtEl>
+                                          <p:spTgt spid="33"/>
+                                        </p:tgtEl>
+                                        <p:attrNameLst>
+                                          <p:attrName>style.visibility</p:attrName>
+                                        </p:attrNameLst>
+                                      </p:cBhvr>
+                                      <p:to>
+                                        <p:strVal val="visible"/>
+                                      </p:to>
+                                    </p:set>
+                                  </p:childTnLst>
+                                </p:cTn>
+                              </p:par>
+                            </p:childTnLst>
+                          </p:cTn>
+                        </p:par>
+                      </p:childTnLst>
+                    </p:cTn>
+                  </p:par>
+                </p:childTnLst>
+              </p:cTn>
+              <p:prevCondLst>
+                <p:cond evt="onPrev" delay="0">
+                  <p:tgtEl>
+                    <p:sldTgt/>
+                  </p:tgtEl>
+                </p:cond>
+              </p:prevCondLst>
+              <p:nextCondLst>
+                <p:cond evt="onNext" delay="0">
+                  <p:tgtEl>
+                    <p:sldTgt/>
+                  </p:tgtEl>
+                </p:cond>
+              </p:nextCondLst>
+            </p:seq>
+          </p:childTnLst>
+        </p:cTn>
+      </p:par>
+    </p:tnLst>
+    <p:bldLst>
+      <p:bldP spid="17" grpId="0" animBg="1"/>
+      <p:bldP spid="19" grpId="0" animBg="1"/>
+      <p:bldP spid="22" grpId="0" animBg="1"/>
+      <p:bldP spid="23" grpId="0" animBg="1"/>
+      <p:bldP spid="25" grpId="0" animBg="1"/>
+      <p:bldP spid="28" grpId="0" animBg="1"/>
+      <p:bldP spid="29" grpId="0" animBg="1"/>
+      <p:bldP spid="30" grpId="0" animBg="1"/>
+      <p:bldP spid="31" grpId="0" animBg="1"/>
+      <p:bldP spid="32" grpId="0" animBg="1"/>
+      <p:bldP spid="33" grpId="0" animBg="1"/>
+    </p:bldLst>
+  </p:timing>
+</p:sld>
+</file>
+
+<file path=ppt/slides/slide4.xml><?xml version="1.0" encoding="utf-8"?>
+<p:sld xmlns:a="http://schemas.openxmlformats.org/drawingml/2006/main" xmlns:r="http://schemas.openxmlformats.org/officeDocument/2006/relationships" xmlns:p="http://schemas.openxmlformats.org/presentationml/2006/main" show="0">
   <p:cSld>
     <p:spTree>
       <p:nvGrpSpPr>
@@ -34993,14 +38264,6 @@
                 <a:schemeClr val="accent6"/>
               </a:buClr>
             </a:pPr>
-            <a:r>
-              <a:rPr lang="en-US" dirty="0" err="1">
-                <a:solidFill>
-                  <a:schemeClr val="tx1"/>
-                </a:solidFill>
-              </a:rPr>
-              <a:t>Blaaa</a:t>
-            </a:r>
             <a:endParaRPr lang="en-US" dirty="0">
               <a:solidFill>
                 <a:schemeClr val="tx1"/>
@@ -35090,7 +38353,7 @@
             <a:fld id="{02CEFE82-39F2-4F47-8A0C-D5AB3496FA5C}" type="slidenum">
               <a:rPr lang="de-DE" noProof="0" smtClean="0"/>
               <a:pPr/>
-              <a:t>2</a:t>
+              <a:t>4</a:t>
             </a:fld>
             <a:endParaRPr lang="de-DE" noProof="0" dirty="0"/>
           </a:p>
@@ -35118,10 +38381,9 @@
           <a:lstStyle/>
           <a:p>
             <a:r>
-              <a:rPr lang="en-US" dirty="0" err="1"/>
-              <a:t>Blaa</a:t>
-            </a:r>
-            <a:endParaRPr lang="en-US" dirty="0"/>
+              <a:rPr lang="en-US" dirty="0"/>
+              <a:t>Pipeline / Website Overview</a:t>
+            </a:r>
           </a:p>
         </p:txBody>
       </p:sp>
@@ -35147,18 +38409,13 @@
           <a:lstStyle/>
           <a:p>
             <a:r>
-              <a:rPr lang="en-US" dirty="0" err="1">
+              <a:rPr lang="en-US" dirty="0">
                 <a:solidFill>
                   <a:schemeClr val="accent2"/>
                 </a:solidFill>
               </a:rPr>
-              <a:t>Blaa</a:t>
-            </a:r>
-            <a:endParaRPr lang="en-US" dirty="0">
-              <a:solidFill>
-                <a:schemeClr val="accent2"/>
-              </a:solidFill>
-            </a:endParaRPr>
+              <a:t> </a:t>
+            </a:r>
           </a:p>
         </p:txBody>
       </p:sp>
@@ -35221,24 +38478,520 @@
           </a:p>
         </p:txBody>
       </p:sp>
+      <p:sp>
+        <p:nvSpPr>
+          <p:cNvPr id="12" name="Rechteck 11">
+            <a:extLst>
+              <a:ext uri="{FF2B5EF4-FFF2-40B4-BE49-F238E27FC236}">
+                <a16:creationId xmlns:a16="http://schemas.microsoft.com/office/drawing/2014/main" id="{18C3A187-4F2E-FF4D-C356-6B6D825392AC}"/>
+              </a:ext>
+            </a:extLst>
+          </p:cNvPr>
+          <p:cNvSpPr/>
+          <p:nvPr/>
+        </p:nvSpPr>
+        <p:spPr>
+          <a:xfrm>
+            <a:off x="5611567" y="2698046"/>
+            <a:ext cx="1152230" cy="382664"/>
+          </a:xfrm>
+          <a:prstGeom prst="rect">
+            <a:avLst/>
+          </a:prstGeom>
+          <a:solidFill>
+            <a:srgbClr val="8FA0B7"/>
+          </a:solidFill>
+          <a:ln>
+            <a:noFill/>
+          </a:ln>
+        </p:spPr>
+        <p:style>
+          <a:lnRef idx="2">
+            <a:schemeClr val="accent1">
+              <a:shade val="50000"/>
+            </a:schemeClr>
+          </a:lnRef>
+          <a:fillRef idx="1">
+            <a:schemeClr val="accent1"/>
+          </a:fillRef>
+          <a:effectRef idx="0">
+            <a:schemeClr val="accent1"/>
+          </a:effectRef>
+          <a:fontRef idx="minor">
+            <a:schemeClr val="lt1"/>
+          </a:fontRef>
+        </p:style>
+        <p:txBody>
+          <a:bodyPr rtlCol="0" anchor="ctr"/>
+          <a:lstStyle>
+            <a:defPPr>
+              <a:defRPr lang="en-US"/>
+            </a:defPPr>
+            <a:lvl1pPr marL="0" algn="l" defTabSz="914400" rtl="0" eaLnBrk="1" latinLnBrk="0" hangingPunct="1">
+              <a:defRPr sz="1800" kern="1200">
+                <a:solidFill>
+                  <a:schemeClr val="lt1"/>
+                </a:solidFill>
+                <a:latin typeface="+mn-lt"/>
+                <a:ea typeface="+mn-ea"/>
+                <a:cs typeface="+mn-cs"/>
+              </a:defRPr>
+            </a:lvl1pPr>
+            <a:lvl2pPr marL="457200" algn="l" defTabSz="914400" rtl="0" eaLnBrk="1" latinLnBrk="0" hangingPunct="1">
+              <a:defRPr sz="1800" kern="1200">
+                <a:solidFill>
+                  <a:schemeClr val="lt1"/>
+                </a:solidFill>
+                <a:latin typeface="+mn-lt"/>
+                <a:ea typeface="+mn-ea"/>
+                <a:cs typeface="+mn-cs"/>
+              </a:defRPr>
+            </a:lvl2pPr>
+            <a:lvl3pPr marL="914400" algn="l" defTabSz="914400" rtl="0" eaLnBrk="1" latinLnBrk="0" hangingPunct="1">
+              <a:defRPr sz="1800" kern="1200">
+                <a:solidFill>
+                  <a:schemeClr val="lt1"/>
+                </a:solidFill>
+                <a:latin typeface="+mn-lt"/>
+                <a:ea typeface="+mn-ea"/>
+                <a:cs typeface="+mn-cs"/>
+              </a:defRPr>
+            </a:lvl3pPr>
+            <a:lvl4pPr marL="1371600" algn="l" defTabSz="914400" rtl="0" eaLnBrk="1" latinLnBrk="0" hangingPunct="1">
+              <a:defRPr sz="1800" kern="1200">
+                <a:solidFill>
+                  <a:schemeClr val="lt1"/>
+                </a:solidFill>
+                <a:latin typeface="+mn-lt"/>
+                <a:ea typeface="+mn-ea"/>
+                <a:cs typeface="+mn-cs"/>
+              </a:defRPr>
+            </a:lvl4pPr>
+            <a:lvl5pPr marL="1828800" algn="l" defTabSz="914400" rtl="0" eaLnBrk="1" latinLnBrk="0" hangingPunct="1">
+              <a:defRPr sz="1800" kern="1200">
+                <a:solidFill>
+                  <a:schemeClr val="lt1"/>
+                </a:solidFill>
+                <a:latin typeface="+mn-lt"/>
+                <a:ea typeface="+mn-ea"/>
+                <a:cs typeface="+mn-cs"/>
+              </a:defRPr>
+            </a:lvl5pPr>
+            <a:lvl6pPr marL="2286000" algn="l" defTabSz="914400" rtl="0" eaLnBrk="1" latinLnBrk="0" hangingPunct="1">
+              <a:defRPr sz="1800" kern="1200">
+                <a:solidFill>
+                  <a:schemeClr val="lt1"/>
+                </a:solidFill>
+                <a:latin typeface="+mn-lt"/>
+                <a:ea typeface="+mn-ea"/>
+                <a:cs typeface="+mn-cs"/>
+              </a:defRPr>
+            </a:lvl6pPr>
+            <a:lvl7pPr marL="2743200" algn="l" defTabSz="914400" rtl="0" eaLnBrk="1" latinLnBrk="0" hangingPunct="1">
+              <a:defRPr sz="1800" kern="1200">
+                <a:solidFill>
+                  <a:schemeClr val="lt1"/>
+                </a:solidFill>
+                <a:latin typeface="+mn-lt"/>
+                <a:ea typeface="+mn-ea"/>
+                <a:cs typeface="+mn-cs"/>
+              </a:defRPr>
+            </a:lvl7pPr>
+            <a:lvl8pPr marL="3200400" algn="l" defTabSz="914400" rtl="0" eaLnBrk="1" latinLnBrk="0" hangingPunct="1">
+              <a:defRPr sz="1800" kern="1200">
+                <a:solidFill>
+                  <a:schemeClr val="lt1"/>
+                </a:solidFill>
+                <a:latin typeface="+mn-lt"/>
+                <a:ea typeface="+mn-ea"/>
+                <a:cs typeface="+mn-cs"/>
+              </a:defRPr>
+            </a:lvl8pPr>
+            <a:lvl9pPr marL="3657600" algn="l" defTabSz="914400" rtl="0" eaLnBrk="1" latinLnBrk="0" hangingPunct="1">
+              <a:defRPr sz="1800" kern="1200">
+                <a:solidFill>
+                  <a:schemeClr val="lt1"/>
+                </a:solidFill>
+                <a:latin typeface="+mn-lt"/>
+                <a:ea typeface="+mn-ea"/>
+                <a:cs typeface="+mn-cs"/>
+              </a:defRPr>
+            </a:lvl9pPr>
+          </a:lstStyle>
+          <a:p>
+            <a:pPr algn="ctr"/>
+            <a:r>
+              <a:rPr lang="de-DE" sz="1200" b="1" dirty="0"/>
+              <a:t>Feature-Ranking 1</a:t>
+            </a:r>
+            <a:endParaRPr lang="de-DE" sz="1200" b="1" baseline="-25000" dirty="0"/>
+          </a:p>
+        </p:txBody>
+      </p:sp>
+      <p:sp>
+        <p:nvSpPr>
+          <p:cNvPr id="13" name="Rechteck 12">
+            <a:extLst>
+              <a:ext uri="{FF2B5EF4-FFF2-40B4-BE49-F238E27FC236}">
+                <a16:creationId xmlns:a16="http://schemas.microsoft.com/office/drawing/2014/main" id="{A457D758-BE01-6F59-F53D-E62E7883C3C5}"/>
+              </a:ext>
+            </a:extLst>
+          </p:cNvPr>
+          <p:cNvSpPr/>
+          <p:nvPr/>
+        </p:nvSpPr>
+        <p:spPr>
+          <a:xfrm>
+            <a:off x="3591505" y="2635416"/>
+            <a:ext cx="1667602" cy="507921"/>
+          </a:xfrm>
+          <a:prstGeom prst="rect">
+            <a:avLst/>
+          </a:prstGeom>
+          <a:solidFill>
+            <a:srgbClr val="44546A"/>
+          </a:solidFill>
+          <a:ln>
+            <a:noFill/>
+          </a:ln>
+        </p:spPr>
+        <p:style>
+          <a:lnRef idx="2">
+            <a:schemeClr val="accent1">
+              <a:shade val="50000"/>
+            </a:schemeClr>
+          </a:lnRef>
+          <a:fillRef idx="1">
+            <a:schemeClr val="accent1"/>
+          </a:fillRef>
+          <a:effectRef idx="0">
+            <a:schemeClr val="accent1"/>
+          </a:effectRef>
+          <a:fontRef idx="minor">
+            <a:schemeClr val="lt1"/>
+          </a:fontRef>
+        </p:style>
+        <p:txBody>
+          <a:bodyPr rtlCol="0" anchor="ctr"/>
+          <a:lstStyle>
+            <a:defPPr>
+              <a:defRPr lang="en-US"/>
+            </a:defPPr>
+            <a:lvl1pPr marL="0" algn="l" defTabSz="914400" rtl="0" eaLnBrk="1" latinLnBrk="0" hangingPunct="1">
+              <a:defRPr sz="1800" kern="1200">
+                <a:solidFill>
+                  <a:schemeClr val="lt1"/>
+                </a:solidFill>
+                <a:latin typeface="+mn-lt"/>
+                <a:ea typeface="+mn-ea"/>
+                <a:cs typeface="+mn-cs"/>
+              </a:defRPr>
+            </a:lvl1pPr>
+            <a:lvl2pPr marL="457200" algn="l" defTabSz="914400" rtl="0" eaLnBrk="1" latinLnBrk="0" hangingPunct="1">
+              <a:defRPr sz="1800" kern="1200">
+                <a:solidFill>
+                  <a:schemeClr val="lt1"/>
+                </a:solidFill>
+                <a:latin typeface="+mn-lt"/>
+                <a:ea typeface="+mn-ea"/>
+                <a:cs typeface="+mn-cs"/>
+              </a:defRPr>
+            </a:lvl2pPr>
+            <a:lvl3pPr marL="914400" algn="l" defTabSz="914400" rtl="0" eaLnBrk="1" latinLnBrk="0" hangingPunct="1">
+              <a:defRPr sz="1800" kern="1200">
+                <a:solidFill>
+                  <a:schemeClr val="lt1"/>
+                </a:solidFill>
+                <a:latin typeface="+mn-lt"/>
+                <a:ea typeface="+mn-ea"/>
+                <a:cs typeface="+mn-cs"/>
+              </a:defRPr>
+            </a:lvl3pPr>
+            <a:lvl4pPr marL="1371600" algn="l" defTabSz="914400" rtl="0" eaLnBrk="1" latinLnBrk="0" hangingPunct="1">
+              <a:defRPr sz="1800" kern="1200">
+                <a:solidFill>
+                  <a:schemeClr val="lt1"/>
+                </a:solidFill>
+                <a:latin typeface="+mn-lt"/>
+                <a:ea typeface="+mn-ea"/>
+                <a:cs typeface="+mn-cs"/>
+              </a:defRPr>
+            </a:lvl4pPr>
+            <a:lvl5pPr marL="1828800" algn="l" defTabSz="914400" rtl="0" eaLnBrk="1" latinLnBrk="0" hangingPunct="1">
+              <a:defRPr sz="1800" kern="1200">
+                <a:solidFill>
+                  <a:schemeClr val="lt1"/>
+                </a:solidFill>
+                <a:latin typeface="+mn-lt"/>
+                <a:ea typeface="+mn-ea"/>
+                <a:cs typeface="+mn-cs"/>
+              </a:defRPr>
+            </a:lvl5pPr>
+            <a:lvl6pPr marL="2286000" algn="l" defTabSz="914400" rtl="0" eaLnBrk="1" latinLnBrk="0" hangingPunct="1">
+              <a:defRPr sz="1800" kern="1200">
+                <a:solidFill>
+                  <a:schemeClr val="lt1"/>
+                </a:solidFill>
+                <a:latin typeface="+mn-lt"/>
+                <a:ea typeface="+mn-ea"/>
+                <a:cs typeface="+mn-cs"/>
+              </a:defRPr>
+            </a:lvl6pPr>
+            <a:lvl7pPr marL="2743200" algn="l" defTabSz="914400" rtl="0" eaLnBrk="1" latinLnBrk="0" hangingPunct="1">
+              <a:defRPr sz="1800" kern="1200">
+                <a:solidFill>
+                  <a:schemeClr val="lt1"/>
+                </a:solidFill>
+                <a:latin typeface="+mn-lt"/>
+                <a:ea typeface="+mn-ea"/>
+                <a:cs typeface="+mn-cs"/>
+              </a:defRPr>
+            </a:lvl7pPr>
+            <a:lvl8pPr marL="3200400" algn="l" defTabSz="914400" rtl="0" eaLnBrk="1" latinLnBrk="0" hangingPunct="1">
+              <a:defRPr sz="1800" kern="1200">
+                <a:solidFill>
+                  <a:schemeClr val="lt1"/>
+                </a:solidFill>
+                <a:latin typeface="+mn-lt"/>
+                <a:ea typeface="+mn-ea"/>
+                <a:cs typeface="+mn-cs"/>
+              </a:defRPr>
+            </a:lvl8pPr>
+            <a:lvl9pPr marL="3657600" algn="l" defTabSz="914400" rtl="0" eaLnBrk="1" latinLnBrk="0" hangingPunct="1">
+              <a:defRPr sz="1800" kern="1200">
+                <a:solidFill>
+                  <a:schemeClr val="lt1"/>
+                </a:solidFill>
+                <a:latin typeface="+mn-lt"/>
+                <a:ea typeface="+mn-ea"/>
+                <a:cs typeface="+mn-cs"/>
+              </a:defRPr>
+            </a:lvl9pPr>
+          </a:lstStyle>
+          <a:p>
+            <a:pPr algn="ctr"/>
+            <a:r>
+              <a:rPr lang="de-DE" sz="1200" b="1" dirty="0"/>
+              <a:t>Feature-Selektionsmethode</a:t>
+            </a:r>
+          </a:p>
+        </p:txBody>
+      </p:sp>
+      <p:cxnSp>
+        <p:nvCxnSpPr>
+          <p:cNvPr id="14" name="Gerade Verbindung mit Pfeil 13">
+            <a:extLst>
+              <a:ext uri="{FF2B5EF4-FFF2-40B4-BE49-F238E27FC236}">
+                <a16:creationId xmlns:a16="http://schemas.microsoft.com/office/drawing/2014/main" id="{9839ECEA-C004-A953-47EC-C486521116C5}"/>
+              </a:ext>
+            </a:extLst>
+          </p:cNvPr>
+          <p:cNvCxnSpPr>
+            <a:cxnSpLocks/>
+            <a:stCxn id="13" idx="3"/>
+            <a:endCxn id="12" idx="1"/>
+          </p:cNvCxnSpPr>
+          <p:nvPr/>
+        </p:nvCxnSpPr>
+        <p:spPr>
+          <a:xfrm>
+            <a:off x="5259107" y="2889377"/>
+            <a:ext cx="352460" cy="1"/>
+          </a:xfrm>
+          <a:prstGeom prst="straightConnector1">
+            <a:avLst/>
+          </a:prstGeom>
+          <a:ln w="57150">
+            <a:solidFill>
+              <a:srgbClr val="44546A"/>
+            </a:solidFill>
+            <a:tailEnd type="triangle"/>
+          </a:ln>
+        </p:spPr>
+        <p:style>
+          <a:lnRef idx="1">
+            <a:schemeClr val="accent1"/>
+          </a:lnRef>
+          <a:fillRef idx="0">
+            <a:schemeClr val="accent1"/>
+          </a:fillRef>
+          <a:effectRef idx="0">
+            <a:schemeClr val="accent1"/>
+          </a:effectRef>
+          <a:fontRef idx="minor">
+            <a:schemeClr val="tx1"/>
+          </a:fontRef>
+        </p:style>
+      </p:cxnSp>
     </p:spTree>
     <p:extLst>
       <p:ext uri="{BB962C8B-B14F-4D97-AF65-F5344CB8AC3E}">
-        <p14:creationId xmlns:p14="http://schemas.microsoft.com/office/powerpoint/2010/main" val="2056842546"/>
+        <p14:creationId xmlns:p14="http://schemas.microsoft.com/office/powerpoint/2010/main" val="14655354"/>
       </p:ext>
     </p:extLst>
   </p:cSld>
   <p:clrMapOvr>
     <a:masterClrMapping/>
   </p:clrMapOvr>
-  <mc:AlternateContent xmlns:mc="http://schemas.openxmlformats.org/markup-compatibility/2006" xmlns:p14="http://schemas.microsoft.com/office/powerpoint/2010/main">
-    <mc:Choice Requires="p14">
+  <mc:AlternateContent xmlns:mc="http://schemas.openxmlformats.org/markup-compatibility/2006">
+    <mc:Choice xmlns:p14="http://schemas.microsoft.com/office/powerpoint/2010/main" Requires="p14">
       <p:transition p14:dur="10"/>
     </mc:Choice>
-    <mc:Fallback xmlns="">
+    <mc:Fallback>
       <p:transition/>
     </mc:Fallback>
   </mc:AlternateContent>
+  <p:timing>
+    <p:tnLst>
+      <p:par>
+        <p:cTn id="1" dur="indefinite" restart="never" nodeType="tmRoot">
+          <p:childTnLst>
+            <p:seq concurrent="1" nextAc="seek">
+              <p:cTn id="2" dur="indefinite" nodeType="mainSeq">
+                <p:childTnLst>
+                  <p:par>
+                    <p:cTn id="3" fill="hold">
+                      <p:stCondLst>
+                        <p:cond delay="indefinite"/>
+                      </p:stCondLst>
+                      <p:childTnLst>
+                        <p:par>
+                          <p:cTn id="4" fill="hold">
+                            <p:stCondLst>
+                              <p:cond delay="0"/>
+                            </p:stCondLst>
+                            <p:childTnLst>
+                              <p:par>
+                                <p:cTn id="5" presetID="1" presetClass="entr" presetSubtype="0" fill="hold" grpId="0" nodeType="clickEffect">
+                                  <p:stCondLst>
+                                    <p:cond delay="0"/>
+                                  </p:stCondLst>
+                                  <p:childTnLst>
+                                    <p:set>
+                                      <p:cBhvr>
+                                        <p:cTn id="6" dur="1" fill="hold">
+                                          <p:stCondLst>
+                                            <p:cond delay="0"/>
+                                          </p:stCondLst>
+                                        </p:cTn>
+                                        <p:tgtEl>
+                                          <p:spTgt spid="13"/>
+                                        </p:tgtEl>
+                                        <p:attrNameLst>
+                                          <p:attrName>style.visibility</p:attrName>
+                                        </p:attrNameLst>
+                                      </p:cBhvr>
+                                      <p:to>
+                                        <p:strVal val="visible"/>
+                                      </p:to>
+                                    </p:set>
+                                  </p:childTnLst>
+                                </p:cTn>
+                              </p:par>
+                              <p:par>
+                                <p:cTn id="7" presetID="1" presetClass="entr" presetSubtype="0" fill="hold" nodeType="withEffect">
+                                  <p:stCondLst>
+                                    <p:cond delay="0"/>
+                                  </p:stCondLst>
+                                  <p:childTnLst>
+                                    <p:set>
+                                      <p:cBhvr>
+                                        <p:cTn id="8" dur="1" fill="hold">
+                                          <p:stCondLst>
+                                            <p:cond delay="0"/>
+                                          </p:stCondLst>
+                                        </p:cTn>
+                                        <p:tgtEl>
+                                          <p:spTgt spid="14"/>
+                                        </p:tgtEl>
+                                        <p:attrNameLst>
+                                          <p:attrName>style.visibility</p:attrName>
+                                        </p:attrNameLst>
+                                      </p:cBhvr>
+                                      <p:to>
+                                        <p:strVal val="visible"/>
+                                      </p:to>
+                                    </p:set>
+                                  </p:childTnLst>
+                                </p:cTn>
+                              </p:par>
+                            </p:childTnLst>
+                          </p:cTn>
+                        </p:par>
+                      </p:childTnLst>
+                    </p:cTn>
+                  </p:par>
+                  <p:par>
+                    <p:cTn id="9" fill="hold">
+                      <p:stCondLst>
+                        <p:cond delay="indefinite"/>
+                      </p:stCondLst>
+                      <p:childTnLst>
+                        <p:par>
+                          <p:cTn id="10" fill="hold">
+                            <p:stCondLst>
+                              <p:cond delay="0"/>
+                            </p:stCondLst>
+                            <p:childTnLst>
+                              <p:par>
+                                <p:cTn id="11" presetID="1" presetClass="entr" presetSubtype="0" fill="hold" grpId="0" nodeType="clickEffect">
+                                  <p:stCondLst>
+                                    <p:cond delay="0"/>
+                                  </p:stCondLst>
+                                  <p:childTnLst>
+                                    <p:set>
+                                      <p:cBhvr>
+                                        <p:cTn id="12" dur="1" fill="hold">
+                                          <p:stCondLst>
+                                            <p:cond delay="0"/>
+                                          </p:stCondLst>
+                                        </p:cTn>
+                                        <p:tgtEl>
+                                          <p:spTgt spid="12"/>
+                                        </p:tgtEl>
+                                        <p:attrNameLst>
+                                          <p:attrName>style.visibility</p:attrName>
+                                        </p:attrNameLst>
+                                      </p:cBhvr>
+                                      <p:to>
+                                        <p:strVal val="visible"/>
+                                      </p:to>
+                                    </p:set>
+                                  </p:childTnLst>
+                                </p:cTn>
+                              </p:par>
+                            </p:childTnLst>
+                          </p:cTn>
+                        </p:par>
+                      </p:childTnLst>
+                    </p:cTn>
+                  </p:par>
+                </p:childTnLst>
+              </p:cTn>
+              <p:prevCondLst>
+                <p:cond evt="onPrev" delay="0">
+                  <p:tgtEl>
+                    <p:sldTgt/>
+                  </p:tgtEl>
+                </p:cond>
+              </p:prevCondLst>
+              <p:nextCondLst>
+                <p:cond evt="onNext" delay="0">
+                  <p:tgtEl>
+                    <p:sldTgt/>
+                  </p:tgtEl>
+                </p:cond>
+              </p:nextCondLst>
+            </p:seq>
+          </p:childTnLst>
+        </p:cTn>
+      </p:par>
+    </p:tnLst>
+    <p:bldLst>
+      <p:bldP spid="12" grpId="0" animBg="1"/>
+      <p:bldP spid="13" grpId="0" animBg="1"/>
+    </p:bldLst>
+  </p:timing>
 </p:sld>
 </file>
 
